--- a/lesson14.pptx
+++ b/lesson14.pptx
@@ -5,7 +5,7 @@
     <p:sldMasterId id="2147483648" r:id="rId1"/>
   </p:sldMasterIdLst>
   <p:notesMasterIdLst>
-    <p:notesMasterId r:id="rId40"/>
+    <p:notesMasterId r:id="rId34"/>
   </p:notesMasterIdLst>
   <p:sldIdLst>
     <p:sldId id="650" r:id="rId2"/>
@@ -30,22 +30,16 @@
     <p:sldId id="685" r:id="rId21"/>
     <p:sldId id="686" r:id="rId22"/>
     <p:sldId id="678" r:id="rId23"/>
-    <p:sldId id="693" r:id="rId24"/>
-    <p:sldId id="694" r:id="rId25"/>
-    <p:sldId id="695" r:id="rId26"/>
-    <p:sldId id="696" r:id="rId27"/>
-    <p:sldId id="697" r:id="rId28"/>
-    <p:sldId id="698" r:id="rId29"/>
-    <p:sldId id="679" r:id="rId30"/>
-    <p:sldId id="680" r:id="rId31"/>
-    <p:sldId id="681" r:id="rId32"/>
-    <p:sldId id="682" r:id="rId33"/>
-    <p:sldId id="683" r:id="rId34"/>
-    <p:sldId id="684" r:id="rId35"/>
-    <p:sldId id="687" r:id="rId36"/>
-    <p:sldId id="688" r:id="rId37"/>
-    <p:sldId id="699" r:id="rId38"/>
-    <p:sldId id="700" r:id="rId39"/>
+    <p:sldId id="679" r:id="rId24"/>
+    <p:sldId id="680" r:id="rId25"/>
+    <p:sldId id="681" r:id="rId26"/>
+    <p:sldId id="682" r:id="rId27"/>
+    <p:sldId id="683" r:id="rId28"/>
+    <p:sldId id="684" r:id="rId29"/>
+    <p:sldId id="687" r:id="rId30"/>
+    <p:sldId id="688" r:id="rId31"/>
+    <p:sldId id="699" r:id="rId32"/>
+    <p:sldId id="700" r:id="rId33"/>
   </p:sldIdLst>
   <p:sldSz cx="12192000" cy="6858000"/>
   <p:notesSz cx="6858000" cy="9144000"/>
@@ -623,7 +617,7 @@
             <a:fld id="{85522811-C5C6-42D2-A409-F8556720C93F}" type="datetimeFigureOut">
               <a:rPr lang="uk-UA" smtClean="0"/>
               <a:pPr/>
-              <a:t>14.05.2021</a:t>
+              <a:t>17.05.2021</a:t>
             </a:fld>
             <a:endParaRPr lang="uk-UA"/>
           </a:p>
@@ -1168,7 +1162,7 @@
             <a:fld id="{0A2E6AC4-C3FE-4E70-88D1-136405B25267}" type="datetime1">
               <a:rPr lang="uk-UA" smtClean="0"/>
               <a:pPr/>
-              <a:t>14.05.2021</a:t>
+              <a:t>17.05.2021</a:t>
             </a:fld>
             <a:endParaRPr lang="uk-UA"/>
           </a:p>
@@ -1335,7 +1329,7 @@
             <a:fld id="{B4D85949-5AE9-41F1-B18C-DA1006B0E8CC}" type="datetime1">
               <a:rPr lang="uk-UA" smtClean="0"/>
               <a:pPr/>
-              <a:t>14.05.2021</a:t>
+              <a:t>17.05.2021</a:t>
             </a:fld>
             <a:endParaRPr lang="uk-UA"/>
           </a:p>
@@ -1512,7 +1506,7 @@
             <a:fld id="{B20C227C-94C5-4BA1-A89C-1C7570144B22}" type="datetime1">
               <a:rPr lang="uk-UA" smtClean="0"/>
               <a:pPr/>
-              <a:t>14.05.2021</a:t>
+              <a:t>17.05.2021</a:t>
             </a:fld>
             <a:endParaRPr lang="uk-UA"/>
           </a:p>
@@ -1679,7 +1673,7 @@
             <a:fld id="{68E2E168-B245-4D8D-8538-B29990DBF87B}" type="datetime1">
               <a:rPr lang="uk-UA" smtClean="0"/>
               <a:pPr/>
-              <a:t>14.05.2021</a:t>
+              <a:t>17.05.2021</a:t>
             </a:fld>
             <a:endParaRPr lang="uk-UA"/>
           </a:p>
@@ -1922,7 +1916,7 @@
             <a:fld id="{356DAF6E-7007-4E61-B36E-794BF232B234}" type="datetime1">
               <a:rPr lang="uk-UA" smtClean="0"/>
               <a:pPr/>
-              <a:t>14.05.2021</a:t>
+              <a:t>17.05.2021</a:t>
             </a:fld>
             <a:endParaRPr lang="uk-UA"/>
           </a:p>
@@ -2207,7 +2201,7 @@
             <a:fld id="{4B2141DD-FE72-44AA-B946-B70892F1F5B7}" type="datetime1">
               <a:rPr lang="uk-UA" smtClean="0"/>
               <a:pPr/>
-              <a:t>14.05.2021</a:t>
+              <a:t>17.05.2021</a:t>
             </a:fld>
             <a:endParaRPr lang="uk-UA"/>
           </a:p>
@@ -2626,7 +2620,7 @@
             <a:fld id="{D1C4DC7C-6CC4-4D1F-A21B-A650800E0532}" type="datetime1">
               <a:rPr lang="uk-UA" smtClean="0"/>
               <a:pPr/>
-              <a:t>14.05.2021</a:t>
+              <a:t>17.05.2021</a:t>
             </a:fld>
             <a:endParaRPr lang="uk-UA"/>
           </a:p>
@@ -2741,7 +2735,7 @@
             <a:fld id="{09E753FA-BE70-4E9D-A1A2-A798C2E22C2C}" type="datetime1">
               <a:rPr lang="uk-UA" smtClean="0"/>
               <a:pPr/>
-              <a:t>14.05.2021</a:t>
+              <a:t>17.05.2021</a:t>
             </a:fld>
             <a:endParaRPr lang="uk-UA"/>
           </a:p>
@@ -2833,7 +2827,7 @@
             <a:fld id="{BC4E9D1B-A194-48C6-B5A1-4C29D0F81227}" type="datetime1">
               <a:rPr lang="uk-UA" smtClean="0"/>
               <a:pPr/>
-              <a:t>14.05.2021</a:t>
+              <a:t>17.05.2021</a:t>
             </a:fld>
             <a:endParaRPr lang="uk-UA"/>
           </a:p>
@@ -3107,7 +3101,7 @@
             <a:fld id="{98DC5B78-3AEE-4E8C-84A2-DF8B252C6B7D}" type="datetime1">
               <a:rPr lang="uk-UA" smtClean="0"/>
               <a:pPr/>
-              <a:t>14.05.2021</a:t>
+              <a:t>17.05.2021</a:t>
             </a:fld>
             <a:endParaRPr lang="uk-UA"/>
           </a:p>
@@ -3357,7 +3351,7 @@
             <a:fld id="{08E6AC05-7690-4D29-B090-15CFA8055B58}" type="datetime1">
               <a:rPr lang="uk-UA" smtClean="0"/>
               <a:pPr/>
-              <a:t>14.05.2021</a:t>
+              <a:t>17.05.2021</a:t>
             </a:fld>
             <a:endParaRPr lang="uk-UA"/>
           </a:p>
@@ -3567,7 +3561,7 @@
             <a:fld id="{C4778AB5-85A2-4D58-9351-A198925B541D}" type="datetime1">
               <a:rPr lang="uk-UA" smtClean="0"/>
               <a:pPr/>
-              <a:t>14.05.2021</a:t>
+              <a:t>17.05.2021</a:t>
             </a:fld>
             <a:endParaRPr lang="uk-UA"/>
           </a:p>
@@ -8003,7 +7997,7 @@
         </p:nvSpPr>
         <p:spPr>
           <a:xfrm>
-            <a:off x="0" y="0"/>
+            <a:off x="-1" y="-27384"/>
             <a:ext cx="12192000" cy="6858000"/>
           </a:xfrm>
           <a:prstGeom prst="rect">
@@ -8048,8 +8042,8 @@
         </p:nvSpPr>
         <p:spPr>
           <a:xfrm>
-            <a:off x="2309580" y="2875002"/>
-            <a:ext cx="7572842" cy="1107996"/>
+            <a:off x="959568" y="2767280"/>
+            <a:ext cx="10272877" cy="1107996"/>
           </a:xfrm>
           <a:prstGeom prst="rect">
             <a:avLst/>
@@ -8079,12 +8073,52 @@
               <a:t>. </a:t>
             </a:r>
             <a:r>
-              <a:rPr lang="ru-RU" sz="6600" b="1" dirty="0">
+              <a:rPr lang="en-US" sz="6600" b="1" dirty="0">
+                <a:solidFill>
+                  <a:srgbClr val="FFFF00"/>
+                </a:solidFill>
+              </a:rPr>
+              <a:t>S</a:t>
+            </a:r>
+            <a:r>
+              <a:rPr lang="en-US" sz="6600" b="1" dirty="0">
                 <a:solidFill>
                   <a:schemeClr val="bg1"/>
                 </a:solidFill>
               </a:rPr>
-              <a:t>Языковые версии</a:t>
+              <a:t>ocial </a:t>
+            </a:r>
+            <a:r>
+              <a:rPr lang="en-US" sz="6600" b="1" dirty="0">
+                <a:solidFill>
+                  <a:srgbClr val="FFFF00"/>
+                </a:solidFill>
+              </a:rPr>
+              <a:t>M</a:t>
+            </a:r>
+            <a:r>
+              <a:rPr lang="en-US" sz="6600" b="1" dirty="0">
+                <a:solidFill>
+                  <a:schemeClr val="bg1"/>
+                </a:solidFill>
+              </a:rPr>
+              <a:t>edia </a:t>
+            </a:r>
+            <a:r>
+              <a:rPr lang="en-US" sz="6600" b="1" dirty="0">
+                <a:solidFill>
+                  <a:srgbClr val="FFFF00"/>
+                </a:solidFill>
+              </a:rPr>
+              <a:t>O</a:t>
+            </a:r>
+            <a:r>
+              <a:rPr lang="en-US" sz="6600" b="1" dirty="0">
+                <a:solidFill>
+                  <a:schemeClr val="bg1"/>
+                </a:solidFill>
+              </a:rPr>
+              <a:t>ptimization</a:t>
             </a:r>
             <a:endParaRPr lang="uk-UA" sz="6600" b="1" dirty="0">
               <a:solidFill>
@@ -8097,7 +8131,7 @@
     </p:spTree>
     <p:extLst>
       <p:ext uri="{BB962C8B-B14F-4D97-AF65-F5344CB8AC3E}">
-        <p14:creationId xmlns:p14="http://schemas.microsoft.com/office/powerpoint/2010/main" val="1178906607"/>
+        <p14:creationId xmlns:p14="http://schemas.microsoft.com/office/powerpoint/2010/main" val="594424640"/>
       </p:ext>
     </p:extLst>
   </p:cSld>
@@ -8126,14 +8160,14 @@
       </p:grpSpPr>
       <p:sp>
         <p:nvSpPr>
-          <p:cNvPr id="11" name="TextBox 10"/>
+          <p:cNvPr id="6" name="TextBox 5"/>
           <p:cNvSpPr txBox="1"/>
           <p:nvPr/>
         </p:nvSpPr>
         <p:spPr>
           <a:xfrm>
-            <a:off x="1699597" y="4221088"/>
-            <a:ext cx="8792806" cy="1815882"/>
+            <a:off x="2063552" y="1988840"/>
+            <a:ext cx="8208912" cy="3539430"/>
           </a:xfrm>
           <a:prstGeom prst="rect">
             <a:avLst/>
@@ -8147,23 +8181,129 @@
           <a:lstStyle/>
           <a:p>
             <a:r>
-              <a:rPr lang="ru-RU" sz="2800" dirty="0"/>
-              <a:t>Если страница имеет копию переведённую на другой язык, то при помощи тега </a:t>
-            </a:r>
-            <a:r>
-              <a:rPr lang="en-US" sz="2800" b="1" dirty="0"/>
-              <a:t>&lt;link&gt;</a:t>
-            </a:r>
-            <a:r>
-              <a:rPr lang="ru-RU" sz="2800" dirty="0"/>
-              <a:t>, это поможет поисковой системе выдавать посетителям из разных стран самый подходящий вариант страницы.</a:t>
-            </a:r>
-          </a:p>
-        </p:txBody>
-      </p:sp>
-      <p:sp>
-        <p:nvSpPr>
-          <p:cNvPr id="12" name="Номер слайда 36"/>
+              <a:rPr lang="ru-RU" sz="3200" b="1" dirty="0"/>
+              <a:t>Оптимизация для социальных медиа </a:t>
+            </a:r>
+            <a:r>
+              <a:rPr lang="ru-RU" sz="3200" dirty="0"/>
+              <a:t>(</a:t>
+            </a:r>
+            <a:r>
+              <a:rPr lang="ru-RU" sz="3200" b="1" dirty="0"/>
+              <a:t>SMO</a:t>
+            </a:r>
+            <a:r>
+              <a:rPr lang="ru-RU" sz="3200" dirty="0"/>
+              <a:t>) предназначена не для поисковых машин, а для социальных сетей и блогов, чтобы привлечь оттуда трафик к себе на сайт или сформировать сообщество по интересам внутри социального ресурса.</a:t>
+            </a:r>
+            <a:r>
+              <a:rPr lang="en-US" sz="3200" dirty="0"/>
+              <a:t> </a:t>
+            </a:r>
+            <a:r>
+              <a:rPr lang="en-US" sz="3200" b="1" dirty="0"/>
+              <a:t>SMO</a:t>
+            </a:r>
+            <a:r>
+              <a:rPr lang="en-US" sz="3200" dirty="0"/>
+              <a:t> - </a:t>
+            </a:r>
+            <a:r>
+              <a:rPr lang="ru-RU" sz="3200" dirty="0"/>
+              <a:t>часть </a:t>
+            </a:r>
+            <a:r>
+              <a:rPr lang="en-US" sz="3200" b="1" dirty="0"/>
+              <a:t>SMM</a:t>
+            </a:r>
+            <a:r>
+              <a:rPr lang="en-US" sz="3200" dirty="0"/>
+              <a:t> (</a:t>
+            </a:r>
+            <a:r>
+              <a:rPr lang="en-US" sz="3200" b="1" dirty="0"/>
+              <a:t>Social Media Marketing</a:t>
+            </a:r>
+            <a:r>
+              <a:rPr lang="en-US" sz="3200" dirty="0"/>
+              <a:t>). </a:t>
+            </a:r>
+            <a:endParaRPr lang="ru-RU" sz="3200" dirty="0"/>
+          </a:p>
+        </p:txBody>
+      </p:sp>
+      <p:sp>
+        <p:nvSpPr>
+          <p:cNvPr id="7" name="TextBox 6"/>
+          <p:cNvSpPr txBox="1"/>
+          <p:nvPr/>
+        </p:nvSpPr>
+        <p:spPr>
+          <a:xfrm>
+            <a:off x="0" y="620688"/>
+            <a:ext cx="12192000" cy="830997"/>
+          </a:xfrm>
+          <a:prstGeom prst="rect">
+            <a:avLst/>
+          </a:prstGeom>
+          <a:noFill/>
+        </p:spPr>
+        <p:txBody>
+          <a:bodyPr wrap="square" rtlCol="0">
+            <a:spAutoFit/>
+          </a:bodyPr>
+          <a:lstStyle/>
+          <a:p>
+            <a:pPr algn="ctr"/>
+            <a:r>
+              <a:rPr lang="en-US" sz="4800" b="1" dirty="0">
+                <a:solidFill>
+                  <a:schemeClr val="accent6">
+                    <a:lumMod val="75000"/>
+                  </a:schemeClr>
+                </a:solidFill>
+              </a:rPr>
+              <a:t>S</a:t>
+            </a:r>
+            <a:r>
+              <a:rPr lang="en-US" sz="4800" b="1" dirty="0"/>
+              <a:t>ocial </a:t>
+            </a:r>
+            <a:r>
+              <a:rPr lang="en-US" sz="4800" b="1" dirty="0">
+                <a:solidFill>
+                  <a:schemeClr val="accent6">
+                    <a:lumMod val="75000"/>
+                  </a:schemeClr>
+                </a:solidFill>
+              </a:rPr>
+              <a:t>M</a:t>
+            </a:r>
+            <a:r>
+              <a:rPr lang="en-US" sz="4800" b="1" dirty="0"/>
+              <a:t>edia </a:t>
+            </a:r>
+            <a:r>
+              <a:rPr lang="en-US" sz="4800" b="1" dirty="0">
+                <a:solidFill>
+                  <a:schemeClr val="accent6">
+                    <a:lumMod val="75000"/>
+                  </a:schemeClr>
+                </a:solidFill>
+              </a:rPr>
+              <a:t>O</a:t>
+            </a:r>
+            <a:r>
+              <a:rPr lang="en-US" sz="4800" b="1" dirty="0"/>
+              <a:t>ptimization</a:t>
+            </a:r>
+            <a:endParaRPr lang="uk-UA" sz="4800" b="1" dirty="0"/>
+          </a:p>
+        </p:txBody>
+      </p:sp>
+      <p:sp>
+        <p:nvSpPr>
+          <p:cNvPr id="8" name="Номер слайда 36"/>
           <p:cNvSpPr txBox="1">
             <a:spLocks/>
           </p:cNvSpPr>
@@ -8171,7 +8311,7 @@
         </p:nvSpPr>
         <p:spPr>
           <a:xfrm>
-            <a:off x="11208568" y="6165304"/>
+            <a:off x="11064552" y="6093296"/>
             <a:ext cx="648072" cy="432048"/>
           </a:xfrm>
           <a:prstGeom prst="roundRect">
@@ -8325,409 +8465,10 @@
           </a:p>
         </p:txBody>
       </p:sp>
-      <p:sp>
-        <p:nvSpPr>
-          <p:cNvPr id="4" name="Прямоугольник 3"/>
-          <p:cNvSpPr/>
-          <p:nvPr/>
-        </p:nvSpPr>
-        <p:spPr>
-          <a:xfrm>
-            <a:off x="0" y="1559694"/>
-            <a:ext cx="12192000" cy="1077218"/>
-          </a:xfrm>
-          <a:prstGeom prst="rect">
-            <a:avLst/>
-          </a:prstGeom>
-        </p:spPr>
-        <p:txBody>
-          <a:bodyPr wrap="square">
-            <a:spAutoFit/>
-          </a:bodyPr>
-          <a:lstStyle/>
-          <a:p>
-            <a:pPr algn="ctr"/>
-            <a:r>
-              <a:rPr lang="ru-RU" sz="3200" b="1" dirty="0">
-                <a:solidFill>
-                  <a:srgbClr val="0070C0"/>
-                </a:solidFill>
-              </a:rPr>
-              <a:t>&lt;</a:t>
-            </a:r>
-            <a:r>
-              <a:rPr lang="ru-RU" sz="3200" b="1" dirty="0" err="1">
-                <a:solidFill>
-                  <a:srgbClr val="0070C0"/>
-                </a:solidFill>
-              </a:rPr>
-              <a:t>link</a:t>
-            </a:r>
-            <a:r>
-              <a:rPr lang="ru-RU" sz="3200" b="1" dirty="0">
-                <a:solidFill>
-                  <a:srgbClr val="0070C0"/>
-                </a:solidFill>
-              </a:rPr>
-              <a:t> </a:t>
-            </a:r>
-            <a:r>
-              <a:rPr lang="ru-RU" sz="3200" b="1" dirty="0" err="1">
-                <a:solidFill>
-                  <a:schemeClr val="accent6">
-                    <a:lumMod val="75000"/>
-                  </a:schemeClr>
-                </a:solidFill>
-              </a:rPr>
-              <a:t>rel</a:t>
-            </a:r>
-            <a:r>
-              <a:rPr lang="ru-RU" sz="3200" b="1" dirty="0"/>
-              <a:t>=</a:t>
-            </a:r>
-            <a:r>
-              <a:rPr lang="ru-RU" sz="3200" b="1" dirty="0">
-                <a:solidFill>
-                  <a:srgbClr val="00B050"/>
-                </a:solidFill>
-              </a:rPr>
-              <a:t>"</a:t>
-            </a:r>
-            <a:r>
-              <a:rPr lang="ru-RU" sz="3200" b="1" dirty="0" err="1">
-                <a:solidFill>
-                  <a:srgbClr val="00B050"/>
-                </a:solidFill>
-              </a:rPr>
-              <a:t>alternate</a:t>
-            </a:r>
-            <a:r>
-              <a:rPr lang="ru-RU" sz="3200" b="1" dirty="0">
-                <a:solidFill>
-                  <a:srgbClr val="00B050"/>
-                </a:solidFill>
-              </a:rPr>
-              <a:t>" </a:t>
-            </a:r>
-            <a:r>
-              <a:rPr lang="ru-RU" sz="3200" b="1" dirty="0" err="1">
-                <a:solidFill>
-                  <a:schemeClr val="accent6">
-                    <a:lumMod val="75000"/>
-                  </a:schemeClr>
-                </a:solidFill>
-              </a:rPr>
-              <a:t>hreflang</a:t>
-            </a:r>
-            <a:r>
-              <a:rPr lang="ru-RU" sz="3200" b="1" dirty="0"/>
-              <a:t>=</a:t>
-            </a:r>
-            <a:r>
-              <a:rPr lang="ru-RU" sz="3200" b="1" dirty="0">
-                <a:solidFill>
-                  <a:srgbClr val="00B050"/>
-                </a:solidFill>
-              </a:rPr>
-              <a:t>"</a:t>
-            </a:r>
-            <a:r>
-              <a:rPr lang="en-US" sz="3200" b="1" dirty="0" err="1">
-                <a:solidFill>
-                  <a:srgbClr val="00B050"/>
-                </a:solidFill>
-              </a:rPr>
-              <a:t>jp</a:t>
-            </a:r>
-            <a:r>
-              <a:rPr lang="ru-RU" sz="3200" b="1" dirty="0">
-                <a:solidFill>
-                  <a:srgbClr val="00B050"/>
-                </a:solidFill>
-              </a:rPr>
-              <a:t>"</a:t>
-            </a:r>
-            <a:r>
-              <a:rPr lang="ru-RU" sz="3200" b="1" dirty="0"/>
-              <a:t> </a:t>
-            </a:r>
-            <a:br>
-              <a:rPr lang="ru-RU" sz="3200" b="1" dirty="0"/>
-            </a:br>
-            <a:r>
-              <a:rPr lang="ru-RU" sz="3200" b="1" dirty="0" err="1">
-                <a:solidFill>
-                  <a:schemeClr val="accent6">
-                    <a:lumMod val="75000"/>
-                  </a:schemeClr>
-                </a:solidFill>
-              </a:rPr>
-              <a:t>href</a:t>
-            </a:r>
-            <a:r>
-              <a:rPr lang="ru-RU" sz="3200" b="1" dirty="0"/>
-              <a:t>=</a:t>
-            </a:r>
-            <a:r>
-              <a:rPr lang="ru-RU" sz="3200" b="1" dirty="0">
-                <a:solidFill>
-                  <a:srgbClr val="00B050"/>
-                </a:solidFill>
-              </a:rPr>
-              <a:t>"http://example.com/</a:t>
-            </a:r>
-            <a:r>
-              <a:rPr lang="en-US" sz="3200" b="1" dirty="0">
-                <a:solidFill>
-                  <a:srgbClr val="00B050"/>
-                </a:solidFill>
-              </a:rPr>
-              <a:t>japan/</a:t>
-            </a:r>
-            <a:r>
-              <a:rPr lang="ru-RU" sz="3200" b="1" dirty="0">
-                <a:solidFill>
-                  <a:srgbClr val="00B050"/>
-                </a:solidFill>
-              </a:rPr>
-              <a:t>"</a:t>
-            </a:r>
-            <a:r>
-              <a:rPr lang="ru-RU" sz="3200" b="1" dirty="0"/>
-              <a:t> </a:t>
-            </a:r>
-            <a:r>
-              <a:rPr lang="ru-RU" sz="3200" b="1" dirty="0">
-                <a:solidFill>
-                  <a:srgbClr val="0070C0"/>
-                </a:solidFill>
-              </a:rPr>
-              <a:t>/&gt;</a:t>
-            </a:r>
-          </a:p>
-        </p:txBody>
-      </p:sp>
-      <p:sp>
-        <p:nvSpPr>
-          <p:cNvPr id="7" name="TextBox 6"/>
-          <p:cNvSpPr txBox="1"/>
-          <p:nvPr/>
-        </p:nvSpPr>
-        <p:spPr>
-          <a:xfrm>
-            <a:off x="0" y="476672"/>
-            <a:ext cx="12192000" cy="830997"/>
-          </a:xfrm>
-          <a:prstGeom prst="rect">
-            <a:avLst/>
-          </a:prstGeom>
-          <a:noFill/>
-        </p:spPr>
-        <p:txBody>
-          <a:bodyPr wrap="square" rtlCol="0">
-            <a:spAutoFit/>
-          </a:bodyPr>
-          <a:lstStyle/>
-          <a:p>
-            <a:pPr algn="ctr"/>
-            <a:r>
-              <a:rPr lang="ru-RU" sz="4800" b="1" dirty="0"/>
-              <a:t>Языковые версии</a:t>
-            </a:r>
-          </a:p>
-        </p:txBody>
-      </p:sp>
-      <p:sp>
-        <p:nvSpPr>
-          <p:cNvPr id="8" name="Прямоугольник 7"/>
-          <p:cNvSpPr/>
-          <p:nvPr/>
-        </p:nvSpPr>
-        <p:spPr>
-          <a:xfrm>
-            <a:off x="1524000" y="2927846"/>
-            <a:ext cx="9144000" cy="1077218"/>
-          </a:xfrm>
-          <a:prstGeom prst="rect">
-            <a:avLst/>
-          </a:prstGeom>
-        </p:spPr>
-        <p:txBody>
-          <a:bodyPr wrap="square">
-            <a:spAutoFit/>
-          </a:bodyPr>
-          <a:lstStyle/>
-          <a:p>
-            <a:pPr algn="ctr"/>
-            <a:r>
-              <a:rPr lang="ru-RU" sz="3200" b="1" dirty="0">
-                <a:solidFill>
-                  <a:srgbClr val="0070C0"/>
-                </a:solidFill>
-              </a:rPr>
-              <a:t>&lt;</a:t>
-            </a:r>
-            <a:r>
-              <a:rPr lang="ru-RU" sz="3200" b="1" dirty="0" err="1">
-                <a:solidFill>
-                  <a:srgbClr val="0070C0"/>
-                </a:solidFill>
-              </a:rPr>
-              <a:t>link</a:t>
-            </a:r>
-            <a:r>
-              <a:rPr lang="ru-RU" sz="3200" b="1" dirty="0">
-                <a:solidFill>
-                  <a:srgbClr val="0070C0"/>
-                </a:solidFill>
-              </a:rPr>
-              <a:t> </a:t>
-            </a:r>
-            <a:r>
-              <a:rPr lang="ru-RU" sz="3200" b="1" dirty="0" err="1">
-                <a:solidFill>
-                  <a:schemeClr val="accent6">
-                    <a:lumMod val="75000"/>
-                  </a:schemeClr>
-                </a:solidFill>
-              </a:rPr>
-              <a:t>rel</a:t>
-            </a:r>
-            <a:r>
-              <a:rPr lang="ru-RU" sz="3200" b="1" dirty="0"/>
-              <a:t>=</a:t>
-            </a:r>
-            <a:r>
-              <a:rPr lang="ru-RU" sz="3200" b="1" dirty="0">
-                <a:solidFill>
-                  <a:srgbClr val="00B050"/>
-                </a:solidFill>
-              </a:rPr>
-              <a:t>"</a:t>
-            </a:r>
-            <a:r>
-              <a:rPr lang="ru-RU" sz="3200" b="1" dirty="0" err="1">
-                <a:solidFill>
-                  <a:srgbClr val="00B050"/>
-                </a:solidFill>
-              </a:rPr>
-              <a:t>alternate</a:t>
-            </a:r>
-            <a:r>
-              <a:rPr lang="ru-RU" sz="3200" b="1" dirty="0">
-                <a:solidFill>
-                  <a:srgbClr val="00B050"/>
-                </a:solidFill>
-              </a:rPr>
-              <a:t>" </a:t>
-            </a:r>
-            <a:r>
-              <a:rPr lang="ru-RU" sz="3200" b="1" dirty="0" err="1">
-                <a:solidFill>
-                  <a:schemeClr val="accent6">
-                    <a:lumMod val="75000"/>
-                  </a:schemeClr>
-                </a:solidFill>
-              </a:rPr>
-              <a:t>hreflang</a:t>
-            </a:r>
-            <a:r>
-              <a:rPr lang="ru-RU" sz="3200" b="1" dirty="0"/>
-              <a:t>=</a:t>
-            </a:r>
-            <a:r>
-              <a:rPr lang="ru-RU" sz="3200" b="1" dirty="0">
-                <a:solidFill>
-                  <a:srgbClr val="00B050"/>
-                </a:solidFill>
-              </a:rPr>
-              <a:t>“</a:t>
-            </a:r>
-            <a:r>
-              <a:rPr lang="en-US" sz="3200" b="1" dirty="0" err="1">
-                <a:solidFill>
-                  <a:srgbClr val="00B050"/>
-                </a:solidFill>
-              </a:rPr>
-              <a:t>uk</a:t>
-            </a:r>
-            <a:r>
-              <a:rPr lang="ru-RU" sz="3200" b="1" dirty="0">
-                <a:solidFill>
-                  <a:srgbClr val="00B050"/>
-                </a:solidFill>
-              </a:rPr>
-              <a:t>"</a:t>
-            </a:r>
-            <a:r>
-              <a:rPr lang="ru-RU" sz="3200" b="1" dirty="0"/>
-              <a:t> </a:t>
-            </a:r>
-            <a:r>
-              <a:rPr lang="ru-RU" sz="3200" b="1" dirty="0" err="1">
-                <a:solidFill>
-                  <a:schemeClr val="accent6">
-                    <a:lumMod val="75000"/>
-                  </a:schemeClr>
-                </a:solidFill>
-              </a:rPr>
-              <a:t>href</a:t>
-            </a:r>
-            <a:r>
-              <a:rPr lang="ru-RU" sz="3200" b="1" dirty="0"/>
-              <a:t>=</a:t>
-            </a:r>
-            <a:r>
-              <a:rPr lang="ru-RU" sz="3200" b="1" dirty="0">
-                <a:solidFill>
-                  <a:srgbClr val="00B050"/>
-                </a:solidFill>
-              </a:rPr>
-              <a:t>"http://example.com/</a:t>
-            </a:r>
-            <a:r>
-              <a:rPr lang="en-US" sz="3200" b="1" dirty="0" err="1">
-                <a:solidFill>
-                  <a:srgbClr val="00B050"/>
-                </a:solidFill>
-              </a:rPr>
-              <a:t>ukraine</a:t>
-            </a:r>
-            <a:r>
-              <a:rPr lang="en-US" sz="3200" b="1" dirty="0">
-                <a:solidFill>
-                  <a:srgbClr val="00B050"/>
-                </a:solidFill>
-              </a:rPr>
-              <a:t>/</a:t>
-            </a:r>
-            <a:r>
-              <a:rPr lang="ru-RU" sz="3200" b="1" dirty="0">
-                <a:solidFill>
-                  <a:srgbClr val="00B050"/>
-                </a:solidFill>
-              </a:rPr>
-              <a:t>"</a:t>
-            </a:r>
-            <a:r>
-              <a:rPr lang="ru-RU" sz="3200" b="1" dirty="0"/>
-              <a:t> </a:t>
-            </a:r>
-            <a:r>
-              <a:rPr lang="ru-RU" sz="3200" b="1" dirty="0">
-                <a:solidFill>
-                  <a:srgbClr val="0070C0"/>
-                </a:solidFill>
-              </a:rPr>
-              <a:t>/&gt;</a:t>
-            </a:r>
-          </a:p>
-        </p:txBody>
-      </p:sp>
     </p:spTree>
     <p:extLst>
       <p:ext uri="{BB962C8B-B14F-4D97-AF65-F5344CB8AC3E}">
-        <p14:creationId xmlns:p14="http://schemas.microsoft.com/office/powerpoint/2010/main" val="1449461107"/>
+        <p14:creationId xmlns:p14="http://schemas.microsoft.com/office/powerpoint/2010/main" val="2808792706"/>
       </p:ext>
     </p:extLst>
   </p:cSld>
@@ -8756,151 +8497,14 @@
       </p:grpSpPr>
       <p:sp>
         <p:nvSpPr>
-          <p:cNvPr id="8" name="Прямоугольник 7"/>
-          <p:cNvSpPr/>
-          <p:nvPr/>
-        </p:nvSpPr>
-        <p:spPr>
-          <a:xfrm>
-            <a:off x="0" y="0"/>
-            <a:ext cx="12192000" cy="6858000"/>
-          </a:xfrm>
-          <a:prstGeom prst="rect">
-            <a:avLst/>
-          </a:prstGeom>
-          <a:solidFill>
-            <a:schemeClr val="tx2">
-              <a:lumMod val="75000"/>
-            </a:schemeClr>
-          </a:solidFill>
-        </p:spPr>
-        <p:style>
-          <a:lnRef idx="2">
-            <a:schemeClr val="accent1">
-              <a:shade val="50000"/>
-            </a:schemeClr>
-          </a:lnRef>
-          <a:fillRef idx="1">
-            <a:schemeClr val="accent1"/>
-          </a:fillRef>
-          <a:effectRef idx="0">
-            <a:schemeClr val="accent1"/>
-          </a:effectRef>
-          <a:fontRef idx="minor">
-            <a:schemeClr val="lt1"/>
-          </a:fontRef>
-        </p:style>
-        <p:txBody>
-          <a:bodyPr rtlCol="0" anchor="ctr"/>
-          <a:lstStyle/>
-          <a:p>
-            <a:pPr algn="ctr"/>
-            <a:endParaRPr lang="uk-UA"/>
-          </a:p>
-        </p:txBody>
-      </p:sp>
-      <p:sp>
-        <p:nvSpPr>
-          <p:cNvPr id="10" name="Прямоугольник 9"/>
-          <p:cNvSpPr/>
-          <p:nvPr/>
-        </p:nvSpPr>
-        <p:spPr>
-          <a:xfrm>
-            <a:off x="2811391" y="3013501"/>
-            <a:ext cx="6569234" cy="1107996"/>
-          </a:xfrm>
-          <a:prstGeom prst="rect">
-            <a:avLst/>
-          </a:prstGeom>
-        </p:spPr>
-        <p:txBody>
-          <a:bodyPr wrap="none">
-            <a:spAutoFit/>
-          </a:bodyPr>
-          <a:lstStyle/>
-          <a:p>
-            <a:pPr algn="ctr"/>
-            <a:r>
-              <a:rPr lang="en-US" sz="6600" b="1" dirty="0">
-                <a:solidFill>
-                  <a:schemeClr val="bg1"/>
-                </a:solidFill>
-              </a:rPr>
-              <a:t>1</a:t>
-            </a:r>
-            <a:r>
-              <a:rPr lang="ru-RU" sz="6600" b="1" dirty="0">
-                <a:solidFill>
-                  <a:schemeClr val="bg1"/>
-                </a:solidFill>
-              </a:rPr>
-              <a:t>0</a:t>
-            </a:r>
-            <a:r>
-              <a:rPr lang="uk-UA" sz="6600" b="1" dirty="0">
-                <a:solidFill>
-                  <a:schemeClr val="bg1"/>
-                </a:solidFill>
-              </a:rPr>
-              <a:t>. Тест от </a:t>
-            </a:r>
-            <a:r>
-              <a:rPr lang="en-US" sz="6600" b="1" dirty="0">
-                <a:solidFill>
-                  <a:schemeClr val="bg1"/>
-                </a:solidFill>
-              </a:rPr>
-              <a:t>Google</a:t>
-            </a:r>
-            <a:endParaRPr lang="uk-UA" sz="6600" b="1" dirty="0">
-              <a:solidFill>
-                <a:schemeClr val="bg1"/>
-              </a:solidFill>
-            </a:endParaRPr>
-          </a:p>
-        </p:txBody>
-      </p:sp>
-    </p:spTree>
-    <p:extLst>
-      <p:ext uri="{BB962C8B-B14F-4D97-AF65-F5344CB8AC3E}">
-        <p14:creationId xmlns:p14="http://schemas.microsoft.com/office/powerpoint/2010/main" val="1405094624"/>
-      </p:ext>
-    </p:extLst>
-  </p:cSld>
-  <p:clrMapOvr>
-    <a:masterClrMapping/>
-  </p:clrMapOvr>
-</p:sld>
-</file>
-
-<file path=ppt/slides/slide26.xml><?xml version="1.0" encoding="utf-8"?>
-<p:sld xmlns:a="http://schemas.openxmlformats.org/drawingml/2006/main" xmlns:r="http://schemas.openxmlformats.org/officeDocument/2006/relationships" xmlns:p="http://schemas.openxmlformats.org/presentationml/2006/main">
-  <p:cSld>
-    <p:spTree>
-      <p:nvGrpSpPr>
-        <p:cNvPr id="1" name=""/>
-        <p:cNvGrpSpPr/>
-        <p:nvPr/>
-      </p:nvGrpSpPr>
-      <p:grpSpPr>
-        <a:xfrm>
-          <a:off x="0" y="0"/>
-          <a:ext cx="0" cy="0"/>
-          <a:chOff x="0" y="0"/>
-          <a:chExt cx="0" cy="0"/>
-        </a:xfrm>
-      </p:grpSpPr>
-      <p:sp>
-        <p:nvSpPr>
-          <p:cNvPr id="8" name="TextBox 7"/>
+          <p:cNvPr id="5" name="TextBox 4"/>
           <p:cNvSpPr txBox="1"/>
           <p:nvPr/>
         </p:nvSpPr>
         <p:spPr>
           <a:xfrm>
-            <a:off x="0" y="404664"/>
-            <a:ext cx="12192000" cy="707886"/>
+            <a:off x="7032104" y="3212976"/>
+            <a:ext cx="5159896" cy="707886"/>
           </a:xfrm>
           <a:prstGeom prst="rect">
             <a:avLst/>
@@ -8915,23 +8519,24 @@
           <a:p>
             <a:pPr algn="ctr"/>
             <a:r>
-              <a:rPr lang="ru-RU" sz="4000" b="1" dirty="0"/>
-              <a:t>Мобильная версия сайта</a:t>
-            </a:r>
-            <a:r>
               <a:rPr lang="en-US" sz="4000" b="1" dirty="0"/>
-              <a:t>, </a:t>
-            </a:r>
-            <a:r>
-              <a:rPr lang="ru-RU" sz="4000" b="1" dirty="0"/>
-              <a:t>как проверить?</a:t>
-            </a:r>
-          </a:p>
-        </p:txBody>
-      </p:sp>
-      <p:sp>
-        <p:nvSpPr>
-          <p:cNvPr id="17" name="Номер слайда 36"/>
+              <a:t>Share</a:t>
+            </a:r>
+            <a:r>
+              <a:rPr lang="en-US" sz="4000" dirty="0"/>
+              <a:t> &amp; </a:t>
+            </a:r>
+            <a:r>
+              <a:rPr lang="en-US" sz="4000" b="1" dirty="0" err="1"/>
+              <a:t>OpenGraph</a:t>
+            </a:r>
+            <a:endParaRPr lang="ru-RU" sz="4000" b="1" dirty="0"/>
+          </a:p>
+        </p:txBody>
+      </p:sp>
+      <p:sp>
+        <p:nvSpPr>
+          <p:cNvPr id="6" name="Номер слайда 36"/>
           <p:cNvSpPr txBox="1">
             <a:spLocks/>
           </p:cNvSpPr>
@@ -8939,7 +8544,7 @@
         </p:nvSpPr>
         <p:spPr>
           <a:xfrm>
-            <a:off x="11208568" y="6194037"/>
+            <a:off x="11136560" y="6165304"/>
             <a:ext cx="648072" cy="432048"/>
           </a:xfrm>
           <a:prstGeom prst="roundRect">
@@ -9081,1740 +8686,7 @@
               <a:pPr algn="ctr">
                 <a:defRPr/>
               </a:pPr>
-              <a:t>26</a:t>
-            </a:fld>
-            <a:endParaRPr lang="uk-UA" sz="2400" b="1" dirty="0">
-              <a:solidFill>
-                <a:schemeClr val="bg1">
-                  <a:lumMod val="50000"/>
-                </a:schemeClr>
-              </a:solidFill>
-            </a:endParaRPr>
-          </a:p>
-        </p:txBody>
-      </p:sp>
-      <p:sp>
-        <p:nvSpPr>
-          <p:cNvPr id="3" name="Прямоугольник 2"/>
-          <p:cNvSpPr/>
-          <p:nvPr/>
-        </p:nvSpPr>
-        <p:spPr>
-          <a:xfrm>
-            <a:off x="0" y="5661248"/>
-            <a:ext cx="12192000" cy="584775"/>
-          </a:xfrm>
-          <a:prstGeom prst="rect">
-            <a:avLst/>
-          </a:prstGeom>
-        </p:spPr>
-        <p:txBody>
-          <a:bodyPr wrap="square">
-            <a:spAutoFit/>
-          </a:bodyPr>
-          <a:lstStyle/>
-          <a:p>
-            <a:pPr algn="ctr"/>
-            <a:r>
-              <a:rPr lang="en-US" sz="3200" b="1" dirty="0">
-                <a:hlinkClick r:id="rId2"/>
-              </a:rPr>
-              <a:t>https://search.google.com/test/mobile-friendly</a:t>
-            </a:r>
-            <a:endParaRPr lang="uk-UA" sz="3200" b="1" dirty="0"/>
-          </a:p>
-        </p:txBody>
-      </p:sp>
-      <p:pic>
-        <p:nvPicPr>
-          <p:cNvPr id="2050" name="Picture 2" descr="https://www.shopolog.ru/s/img/services/a4/83/800x400_a48310c07734d37813364d35c49808f7___jpg____4_e0f27da7.png"/>
-          <p:cNvPicPr>
-            <a:picLocks noChangeAspect="1" noChangeArrowheads="1"/>
-          </p:cNvPicPr>
-          <p:nvPr/>
-        </p:nvPicPr>
-        <p:blipFill>
-          <a:blip r:embed="rId3">
-            <a:extLst>
-              <a:ext uri="{28A0092B-C50C-407E-A947-70E740481C1C}">
-                <a14:useLocalDpi xmlns:a14="http://schemas.microsoft.com/office/drawing/2010/main" val="0"/>
-              </a:ext>
-            </a:extLst>
-          </a:blip>
-          <a:srcRect/>
-          <a:stretch>
-            <a:fillRect/>
-          </a:stretch>
-        </p:blipFill>
-        <p:spPr bwMode="auto">
-          <a:xfrm>
-            <a:off x="2567608" y="1397487"/>
-            <a:ext cx="6712414" cy="4119745"/>
-          </a:xfrm>
-          <a:prstGeom prst="rect">
-            <a:avLst/>
-          </a:prstGeom>
-          <a:noFill/>
-          <a:extLst>
-            <a:ext uri="{909E8E84-426E-40DD-AFC4-6F175D3DCCD1}">
-              <a14:hiddenFill xmlns:a14="http://schemas.microsoft.com/office/drawing/2010/main">
-                <a:solidFill>
-                  <a:srgbClr val="FFFFFF"/>
-                </a:solidFill>
-              </a14:hiddenFill>
-            </a:ext>
-          </a:extLst>
-        </p:spPr>
-      </p:pic>
-    </p:spTree>
-    <p:extLst>
-      <p:ext uri="{BB962C8B-B14F-4D97-AF65-F5344CB8AC3E}">
-        <p14:creationId xmlns:p14="http://schemas.microsoft.com/office/powerpoint/2010/main" val="2646235432"/>
-      </p:ext>
-    </p:extLst>
-  </p:cSld>
-  <p:clrMapOvr>
-    <a:masterClrMapping/>
-  </p:clrMapOvr>
-</p:sld>
-</file>
-
-<file path=ppt/slides/slide27.xml><?xml version="1.0" encoding="utf-8"?>
-<p:sld xmlns:a="http://schemas.openxmlformats.org/drawingml/2006/main" xmlns:r="http://schemas.openxmlformats.org/officeDocument/2006/relationships" xmlns:p="http://schemas.openxmlformats.org/presentationml/2006/main">
-  <p:cSld>
-    <p:spTree>
-      <p:nvGrpSpPr>
-        <p:cNvPr id="1" name=""/>
-        <p:cNvGrpSpPr/>
-        <p:nvPr/>
-      </p:nvGrpSpPr>
-      <p:grpSpPr>
-        <a:xfrm>
-          <a:off x="0" y="0"/>
-          <a:ext cx="0" cy="0"/>
-          <a:chOff x="0" y="0"/>
-          <a:chExt cx="0" cy="0"/>
-        </a:xfrm>
-      </p:grpSpPr>
-      <p:sp>
-        <p:nvSpPr>
-          <p:cNvPr id="7" name="TextBox 6"/>
-          <p:cNvSpPr txBox="1"/>
-          <p:nvPr/>
-        </p:nvSpPr>
-        <p:spPr>
-          <a:xfrm>
-            <a:off x="0" y="251938"/>
-            <a:ext cx="12192000" cy="584775"/>
-          </a:xfrm>
-          <a:prstGeom prst="rect">
-            <a:avLst/>
-          </a:prstGeom>
-          <a:noFill/>
-        </p:spPr>
-        <p:txBody>
-          <a:bodyPr wrap="square" rtlCol="0">
-            <a:spAutoFit/>
-          </a:bodyPr>
-          <a:lstStyle/>
-          <a:p>
-            <a:pPr algn="ctr"/>
-            <a:r>
-              <a:rPr lang="ru-RU" sz="3200" b="1" dirty="0"/>
-              <a:t>Быстрее, легче, удобнее…</a:t>
-            </a:r>
-            <a:r>
-              <a:rPr lang="en-US" sz="3200" b="1" dirty="0"/>
-              <a:t>?</a:t>
-            </a:r>
-            <a:endParaRPr lang="uk-UA" sz="3200" dirty="0"/>
-          </a:p>
-        </p:txBody>
-      </p:sp>
-      <p:sp>
-        <p:nvSpPr>
-          <p:cNvPr id="13" name="TextBox 12"/>
-          <p:cNvSpPr txBox="1"/>
-          <p:nvPr/>
-        </p:nvSpPr>
-        <p:spPr>
-          <a:xfrm>
-            <a:off x="3559066" y="6002124"/>
-            <a:ext cx="5345246" cy="523220"/>
-          </a:xfrm>
-          <a:prstGeom prst="rect">
-            <a:avLst/>
-          </a:prstGeom>
-          <a:noFill/>
-        </p:spPr>
-        <p:txBody>
-          <a:bodyPr wrap="none" rtlCol="0">
-            <a:spAutoFit/>
-          </a:bodyPr>
-          <a:lstStyle/>
-          <a:p>
-            <a:r>
-              <a:rPr lang="ru-RU" sz="2800" b="1" dirty="0"/>
-              <a:t>Не все тесты одинаково полезны</a:t>
-            </a:r>
-          </a:p>
-        </p:txBody>
-      </p:sp>
-      <p:sp>
-        <p:nvSpPr>
-          <p:cNvPr id="17" name="Номер слайда 36"/>
-          <p:cNvSpPr txBox="1">
-            <a:spLocks/>
-          </p:cNvSpPr>
-          <p:nvPr/>
-        </p:nvSpPr>
-        <p:spPr>
-          <a:xfrm>
-            <a:off x="11208568" y="6121752"/>
-            <a:ext cx="648072" cy="432048"/>
-          </a:xfrm>
-          <a:prstGeom prst="roundRect">
-            <a:avLst/>
-          </a:prstGeom>
-          <a:ln w="25400" cap="flat" cmpd="sng" algn="ctr">
-            <a:solidFill>
-              <a:schemeClr val="tx2">
-                <a:lumMod val="60000"/>
-                <a:lumOff val="40000"/>
-              </a:schemeClr>
-            </a:solidFill>
-            <a:prstDash val="solid"/>
-          </a:ln>
-        </p:spPr>
-        <p:style>
-          <a:lnRef idx="2">
-            <a:schemeClr val="accent1"/>
-          </a:lnRef>
-          <a:fillRef idx="1">
-            <a:schemeClr val="lt1"/>
-          </a:fillRef>
-          <a:effectRef idx="0">
-            <a:schemeClr val="accent1"/>
-          </a:effectRef>
-          <a:fontRef idx="minor">
-            <a:schemeClr val="dk1"/>
-          </a:fontRef>
-        </p:style>
-        <p:txBody>
-          <a:bodyPr vert="horz" lIns="91440" tIns="45720" rIns="91440" bIns="45720" rtlCol="0" anchor="ctr"/>
-          <a:lstStyle>
-            <a:defPPr>
-              <a:defRPr lang="uk-UA"/>
-            </a:defPPr>
-            <a:lvl1pPr marL="0" algn="l" defTabSz="914400" rtl="0" eaLnBrk="1" latinLnBrk="0" hangingPunct="1">
-              <a:defRPr sz="1800" kern="1200">
-                <a:solidFill>
-                  <a:schemeClr val="dk1"/>
-                </a:solidFill>
-                <a:latin typeface="+mn-lt"/>
-                <a:ea typeface="+mn-ea"/>
-                <a:cs typeface="+mn-cs"/>
-              </a:defRPr>
-            </a:lvl1pPr>
-            <a:lvl2pPr marL="457200" algn="l" defTabSz="914400" rtl="0" eaLnBrk="1" latinLnBrk="0" hangingPunct="1">
-              <a:defRPr sz="1800" kern="1200">
-                <a:solidFill>
-                  <a:schemeClr val="dk1"/>
-                </a:solidFill>
-                <a:latin typeface="+mn-lt"/>
-                <a:ea typeface="+mn-ea"/>
-                <a:cs typeface="+mn-cs"/>
-              </a:defRPr>
-            </a:lvl2pPr>
-            <a:lvl3pPr marL="914400" algn="l" defTabSz="914400" rtl="0" eaLnBrk="1" latinLnBrk="0" hangingPunct="1">
-              <a:defRPr sz="1800" kern="1200">
-                <a:solidFill>
-                  <a:schemeClr val="dk1"/>
-                </a:solidFill>
-                <a:latin typeface="+mn-lt"/>
-                <a:ea typeface="+mn-ea"/>
-                <a:cs typeface="+mn-cs"/>
-              </a:defRPr>
-            </a:lvl3pPr>
-            <a:lvl4pPr marL="1371600" algn="l" defTabSz="914400" rtl="0" eaLnBrk="1" latinLnBrk="0" hangingPunct="1">
-              <a:defRPr sz="1800" kern="1200">
-                <a:solidFill>
-                  <a:schemeClr val="dk1"/>
-                </a:solidFill>
-                <a:latin typeface="+mn-lt"/>
-                <a:ea typeface="+mn-ea"/>
-                <a:cs typeface="+mn-cs"/>
-              </a:defRPr>
-            </a:lvl4pPr>
-            <a:lvl5pPr marL="1828800" algn="l" defTabSz="914400" rtl="0" eaLnBrk="1" latinLnBrk="0" hangingPunct="1">
-              <a:defRPr sz="1800" kern="1200">
-                <a:solidFill>
-                  <a:schemeClr val="dk1"/>
-                </a:solidFill>
-                <a:latin typeface="+mn-lt"/>
-                <a:ea typeface="+mn-ea"/>
-                <a:cs typeface="+mn-cs"/>
-              </a:defRPr>
-            </a:lvl5pPr>
-            <a:lvl6pPr marL="2286000" algn="l" defTabSz="914400" rtl="0" eaLnBrk="1" latinLnBrk="0" hangingPunct="1">
-              <a:defRPr sz="1800" kern="1200">
-                <a:solidFill>
-                  <a:schemeClr val="dk1"/>
-                </a:solidFill>
-                <a:latin typeface="+mn-lt"/>
-                <a:ea typeface="+mn-ea"/>
-                <a:cs typeface="+mn-cs"/>
-              </a:defRPr>
-            </a:lvl6pPr>
-            <a:lvl7pPr marL="2743200" algn="l" defTabSz="914400" rtl="0" eaLnBrk="1" latinLnBrk="0" hangingPunct="1">
-              <a:defRPr sz="1800" kern="1200">
-                <a:solidFill>
-                  <a:schemeClr val="dk1"/>
-                </a:solidFill>
-                <a:latin typeface="+mn-lt"/>
-                <a:ea typeface="+mn-ea"/>
-                <a:cs typeface="+mn-cs"/>
-              </a:defRPr>
-            </a:lvl7pPr>
-            <a:lvl8pPr marL="3200400" algn="l" defTabSz="914400" rtl="0" eaLnBrk="1" latinLnBrk="0" hangingPunct="1">
-              <a:defRPr sz="1800" kern="1200">
-                <a:solidFill>
-                  <a:schemeClr val="dk1"/>
-                </a:solidFill>
-                <a:latin typeface="+mn-lt"/>
-                <a:ea typeface="+mn-ea"/>
-                <a:cs typeface="+mn-cs"/>
-              </a:defRPr>
-            </a:lvl8pPr>
-            <a:lvl9pPr marL="3657600" algn="l" defTabSz="914400" rtl="0" eaLnBrk="1" latinLnBrk="0" hangingPunct="1">
-              <a:defRPr sz="1800" kern="1200">
-                <a:solidFill>
-                  <a:schemeClr val="dk1"/>
-                </a:solidFill>
-                <a:latin typeface="+mn-lt"/>
-                <a:ea typeface="+mn-ea"/>
-                <a:cs typeface="+mn-cs"/>
-              </a:defRPr>
-            </a:lvl9pPr>
-          </a:lstStyle>
-          <a:p>
-            <a:pPr algn="ctr">
-              <a:defRPr/>
-            </a:pPr>
-            <a:fld id="{6389AA22-90B4-448C-8B6B-C699140D38B9}" type="slidenum">
-              <a:rPr lang="uk-UA" sz="2400" b="1">
-                <a:solidFill>
-                  <a:schemeClr val="bg1">
-                    <a:lumMod val="50000"/>
-                  </a:schemeClr>
-                </a:solidFill>
-              </a:rPr>
-              <a:pPr algn="ctr">
-                <a:defRPr/>
-              </a:pPr>
-              <a:t>27</a:t>
-            </a:fld>
-            <a:endParaRPr lang="uk-UA" sz="2400" b="1" dirty="0">
-              <a:solidFill>
-                <a:schemeClr val="bg1">
-                  <a:lumMod val="50000"/>
-                </a:schemeClr>
-              </a:solidFill>
-            </a:endParaRPr>
-          </a:p>
-        </p:txBody>
-      </p:sp>
-      <p:pic>
-        <p:nvPicPr>
-          <p:cNvPr id="2" name="Рисунок 1"/>
-          <p:cNvPicPr>
-            <a:picLocks noChangeAspect="1"/>
-          </p:cNvPicPr>
-          <p:nvPr/>
-        </p:nvPicPr>
-        <p:blipFill>
-          <a:blip r:embed="rId2"/>
-          <a:stretch>
-            <a:fillRect/>
-          </a:stretch>
-        </p:blipFill>
-        <p:spPr>
-          <a:xfrm>
-            <a:off x="3234148" y="1157306"/>
-            <a:ext cx="5723703" cy="3823308"/>
-          </a:xfrm>
-          <a:prstGeom prst="rect">
-            <a:avLst/>
-          </a:prstGeom>
-          <a:ln w="28575">
-            <a:solidFill>
-              <a:schemeClr val="bg1">
-                <a:lumMod val="75000"/>
-              </a:schemeClr>
-            </a:solidFill>
-          </a:ln>
-          <a:effectLst>
-            <a:outerShdw blurRad="190500" algn="tl" rotWithShape="0">
-              <a:srgbClr val="000000">
-                <a:alpha val="70000"/>
-              </a:srgbClr>
-            </a:outerShdw>
-          </a:effectLst>
-        </p:spPr>
-      </p:pic>
-      <p:sp>
-        <p:nvSpPr>
-          <p:cNvPr id="3" name="Прямоугольник 2"/>
-          <p:cNvSpPr/>
-          <p:nvPr/>
-        </p:nvSpPr>
-        <p:spPr>
-          <a:xfrm>
-            <a:off x="0" y="5301208"/>
-            <a:ext cx="12192000" cy="523220"/>
-          </a:xfrm>
-          <a:prstGeom prst="rect">
-            <a:avLst/>
-          </a:prstGeom>
-        </p:spPr>
-        <p:txBody>
-          <a:bodyPr wrap="square">
-            <a:spAutoFit/>
-          </a:bodyPr>
-          <a:lstStyle/>
-          <a:p>
-            <a:pPr algn="ctr"/>
-            <a:r>
-              <a:rPr lang="ru-RU" sz="2800" b="1" dirty="0">
-                <a:hlinkClick r:id="rId3"/>
-              </a:rPr>
-              <a:t>https://developers.google.com/speed/pagespeed/insights/?hl=ru</a:t>
-            </a:r>
-            <a:endParaRPr lang="ru-RU" sz="2800" b="1" dirty="0"/>
-          </a:p>
-        </p:txBody>
-      </p:sp>
-    </p:spTree>
-    <p:extLst>
-      <p:ext uri="{BB962C8B-B14F-4D97-AF65-F5344CB8AC3E}">
-        <p14:creationId xmlns:p14="http://schemas.microsoft.com/office/powerpoint/2010/main" val="390838013"/>
-      </p:ext>
-    </p:extLst>
-  </p:cSld>
-  <p:clrMapOvr>
-    <a:masterClrMapping/>
-  </p:clrMapOvr>
-</p:sld>
-</file>
-
-<file path=ppt/slides/slide28.xml><?xml version="1.0" encoding="utf-8"?>
-<p:sld xmlns:a="http://schemas.openxmlformats.org/drawingml/2006/main" xmlns:r="http://schemas.openxmlformats.org/officeDocument/2006/relationships" xmlns:p="http://schemas.openxmlformats.org/presentationml/2006/main">
-  <p:cSld>
-    <p:spTree>
-      <p:nvGrpSpPr>
-        <p:cNvPr id="1" name=""/>
-        <p:cNvGrpSpPr/>
-        <p:nvPr/>
-      </p:nvGrpSpPr>
-      <p:grpSpPr>
-        <a:xfrm>
-          <a:off x="0" y="0"/>
-          <a:ext cx="0" cy="0"/>
-          <a:chOff x="0" y="0"/>
-          <a:chExt cx="0" cy="0"/>
-        </a:xfrm>
-      </p:grpSpPr>
-      <p:sp>
-        <p:nvSpPr>
-          <p:cNvPr id="7" name="TextBox 6"/>
-          <p:cNvSpPr txBox="1"/>
-          <p:nvPr/>
-        </p:nvSpPr>
-        <p:spPr>
-          <a:xfrm>
-            <a:off x="0" y="416858"/>
-            <a:ext cx="12192000" cy="707886"/>
-          </a:xfrm>
-          <a:prstGeom prst="rect">
-            <a:avLst/>
-          </a:prstGeom>
-          <a:noFill/>
-        </p:spPr>
-        <p:txBody>
-          <a:bodyPr wrap="square" rtlCol="0">
-            <a:spAutoFit/>
-          </a:bodyPr>
-          <a:lstStyle/>
-          <a:p>
-            <a:pPr algn="ctr"/>
-            <a:r>
-              <a:rPr lang="en-US" sz="4000" b="1" dirty="0"/>
-              <a:t>Google Lighthouse</a:t>
-            </a:r>
-            <a:endParaRPr lang="uk-UA" sz="4000" dirty="0"/>
-          </a:p>
-        </p:txBody>
-      </p:sp>
-      <p:sp>
-        <p:nvSpPr>
-          <p:cNvPr id="13" name="TextBox 12"/>
-          <p:cNvSpPr txBox="1"/>
-          <p:nvPr/>
-        </p:nvSpPr>
-        <p:spPr>
-          <a:xfrm>
-            <a:off x="0" y="6030580"/>
-            <a:ext cx="12192000" cy="523220"/>
-          </a:xfrm>
-          <a:prstGeom prst="rect">
-            <a:avLst/>
-          </a:prstGeom>
-          <a:noFill/>
-        </p:spPr>
-        <p:txBody>
-          <a:bodyPr wrap="square" rtlCol="0">
-            <a:spAutoFit/>
-          </a:bodyPr>
-          <a:lstStyle/>
-          <a:p>
-            <a:pPr algn="ctr"/>
-            <a:r>
-              <a:rPr lang="ru-RU" sz="2800" b="1" dirty="0"/>
-              <a:t>Тест прямо в браузере…</a:t>
-            </a:r>
-          </a:p>
-        </p:txBody>
-      </p:sp>
-      <p:sp>
-        <p:nvSpPr>
-          <p:cNvPr id="17" name="Номер слайда 36"/>
-          <p:cNvSpPr txBox="1">
-            <a:spLocks/>
-          </p:cNvSpPr>
-          <p:nvPr/>
-        </p:nvSpPr>
-        <p:spPr>
-          <a:xfrm>
-            <a:off x="11208568" y="6121752"/>
-            <a:ext cx="648072" cy="432048"/>
-          </a:xfrm>
-          <a:prstGeom prst="roundRect">
-            <a:avLst/>
-          </a:prstGeom>
-          <a:ln w="25400" cap="flat" cmpd="sng" algn="ctr">
-            <a:solidFill>
-              <a:schemeClr val="tx2">
-                <a:lumMod val="60000"/>
-                <a:lumOff val="40000"/>
-              </a:schemeClr>
-            </a:solidFill>
-            <a:prstDash val="solid"/>
-          </a:ln>
-        </p:spPr>
-        <p:style>
-          <a:lnRef idx="2">
-            <a:schemeClr val="accent1"/>
-          </a:lnRef>
-          <a:fillRef idx="1">
-            <a:schemeClr val="lt1"/>
-          </a:fillRef>
-          <a:effectRef idx="0">
-            <a:schemeClr val="accent1"/>
-          </a:effectRef>
-          <a:fontRef idx="minor">
-            <a:schemeClr val="dk1"/>
-          </a:fontRef>
-        </p:style>
-        <p:txBody>
-          <a:bodyPr vert="horz" lIns="91440" tIns="45720" rIns="91440" bIns="45720" rtlCol="0" anchor="ctr"/>
-          <a:lstStyle>
-            <a:defPPr>
-              <a:defRPr lang="uk-UA"/>
-            </a:defPPr>
-            <a:lvl1pPr marL="0" algn="l" defTabSz="914400" rtl="0" eaLnBrk="1" latinLnBrk="0" hangingPunct="1">
-              <a:defRPr sz="1800" kern="1200">
-                <a:solidFill>
-                  <a:schemeClr val="dk1"/>
-                </a:solidFill>
-                <a:latin typeface="+mn-lt"/>
-                <a:ea typeface="+mn-ea"/>
-                <a:cs typeface="+mn-cs"/>
-              </a:defRPr>
-            </a:lvl1pPr>
-            <a:lvl2pPr marL="457200" algn="l" defTabSz="914400" rtl="0" eaLnBrk="1" latinLnBrk="0" hangingPunct="1">
-              <a:defRPr sz="1800" kern="1200">
-                <a:solidFill>
-                  <a:schemeClr val="dk1"/>
-                </a:solidFill>
-                <a:latin typeface="+mn-lt"/>
-                <a:ea typeface="+mn-ea"/>
-                <a:cs typeface="+mn-cs"/>
-              </a:defRPr>
-            </a:lvl2pPr>
-            <a:lvl3pPr marL="914400" algn="l" defTabSz="914400" rtl="0" eaLnBrk="1" latinLnBrk="0" hangingPunct="1">
-              <a:defRPr sz="1800" kern="1200">
-                <a:solidFill>
-                  <a:schemeClr val="dk1"/>
-                </a:solidFill>
-                <a:latin typeface="+mn-lt"/>
-                <a:ea typeface="+mn-ea"/>
-                <a:cs typeface="+mn-cs"/>
-              </a:defRPr>
-            </a:lvl3pPr>
-            <a:lvl4pPr marL="1371600" algn="l" defTabSz="914400" rtl="0" eaLnBrk="1" latinLnBrk="0" hangingPunct="1">
-              <a:defRPr sz="1800" kern="1200">
-                <a:solidFill>
-                  <a:schemeClr val="dk1"/>
-                </a:solidFill>
-                <a:latin typeface="+mn-lt"/>
-                <a:ea typeface="+mn-ea"/>
-                <a:cs typeface="+mn-cs"/>
-              </a:defRPr>
-            </a:lvl4pPr>
-            <a:lvl5pPr marL="1828800" algn="l" defTabSz="914400" rtl="0" eaLnBrk="1" latinLnBrk="0" hangingPunct="1">
-              <a:defRPr sz="1800" kern="1200">
-                <a:solidFill>
-                  <a:schemeClr val="dk1"/>
-                </a:solidFill>
-                <a:latin typeface="+mn-lt"/>
-                <a:ea typeface="+mn-ea"/>
-                <a:cs typeface="+mn-cs"/>
-              </a:defRPr>
-            </a:lvl5pPr>
-            <a:lvl6pPr marL="2286000" algn="l" defTabSz="914400" rtl="0" eaLnBrk="1" latinLnBrk="0" hangingPunct="1">
-              <a:defRPr sz="1800" kern="1200">
-                <a:solidFill>
-                  <a:schemeClr val="dk1"/>
-                </a:solidFill>
-                <a:latin typeface="+mn-lt"/>
-                <a:ea typeface="+mn-ea"/>
-                <a:cs typeface="+mn-cs"/>
-              </a:defRPr>
-            </a:lvl6pPr>
-            <a:lvl7pPr marL="2743200" algn="l" defTabSz="914400" rtl="0" eaLnBrk="1" latinLnBrk="0" hangingPunct="1">
-              <a:defRPr sz="1800" kern="1200">
-                <a:solidFill>
-                  <a:schemeClr val="dk1"/>
-                </a:solidFill>
-                <a:latin typeface="+mn-lt"/>
-                <a:ea typeface="+mn-ea"/>
-                <a:cs typeface="+mn-cs"/>
-              </a:defRPr>
-            </a:lvl7pPr>
-            <a:lvl8pPr marL="3200400" algn="l" defTabSz="914400" rtl="0" eaLnBrk="1" latinLnBrk="0" hangingPunct="1">
-              <a:defRPr sz="1800" kern="1200">
-                <a:solidFill>
-                  <a:schemeClr val="dk1"/>
-                </a:solidFill>
-                <a:latin typeface="+mn-lt"/>
-                <a:ea typeface="+mn-ea"/>
-                <a:cs typeface="+mn-cs"/>
-              </a:defRPr>
-            </a:lvl8pPr>
-            <a:lvl9pPr marL="3657600" algn="l" defTabSz="914400" rtl="0" eaLnBrk="1" latinLnBrk="0" hangingPunct="1">
-              <a:defRPr sz="1800" kern="1200">
-                <a:solidFill>
-                  <a:schemeClr val="dk1"/>
-                </a:solidFill>
-                <a:latin typeface="+mn-lt"/>
-                <a:ea typeface="+mn-ea"/>
-                <a:cs typeface="+mn-cs"/>
-              </a:defRPr>
-            </a:lvl9pPr>
-          </a:lstStyle>
-          <a:p>
-            <a:pPr algn="ctr">
-              <a:defRPr/>
-            </a:pPr>
-            <a:fld id="{6389AA22-90B4-448C-8B6B-C699140D38B9}" type="slidenum">
-              <a:rPr lang="uk-UA" sz="2400" b="1">
-                <a:solidFill>
-                  <a:schemeClr val="bg1">
-                    <a:lumMod val="50000"/>
-                  </a:schemeClr>
-                </a:solidFill>
-              </a:rPr>
-              <a:pPr algn="ctr">
-                <a:defRPr/>
-              </a:pPr>
-              <a:t>28</a:t>
-            </a:fld>
-            <a:endParaRPr lang="uk-UA" sz="2400" b="1" dirty="0">
-              <a:solidFill>
-                <a:schemeClr val="bg1">
-                  <a:lumMod val="50000"/>
-                </a:schemeClr>
-              </a:solidFill>
-            </a:endParaRPr>
-          </a:p>
-        </p:txBody>
-      </p:sp>
-      <p:sp>
-        <p:nvSpPr>
-          <p:cNvPr id="3" name="Прямоугольник 2"/>
-          <p:cNvSpPr/>
-          <p:nvPr/>
-        </p:nvSpPr>
-        <p:spPr>
-          <a:xfrm>
-            <a:off x="0" y="5651956"/>
-            <a:ext cx="12192000" cy="369332"/>
-          </a:xfrm>
-          <a:prstGeom prst="rect">
-            <a:avLst/>
-          </a:prstGeom>
-        </p:spPr>
-        <p:txBody>
-          <a:bodyPr wrap="square">
-            <a:spAutoFit/>
-          </a:bodyPr>
-          <a:lstStyle/>
-          <a:p>
-            <a:pPr algn="ctr"/>
-            <a:r>
-              <a:rPr lang="en-US" b="1" dirty="0">
-                <a:hlinkClick r:id="rId2"/>
-              </a:rPr>
-              <a:t>https://developers.google.com/web/tools/lighthouse</a:t>
-            </a:r>
-            <a:endParaRPr lang="ru-RU" b="1" dirty="0"/>
-          </a:p>
-        </p:txBody>
-      </p:sp>
-      <p:pic>
-        <p:nvPicPr>
-          <p:cNvPr id="4" name="Рисунок 3"/>
-          <p:cNvPicPr>
-            <a:picLocks noChangeAspect="1"/>
-          </p:cNvPicPr>
-          <p:nvPr/>
-        </p:nvPicPr>
-        <p:blipFill rotWithShape="1">
-          <a:blip r:embed="rId3"/>
-          <a:srcRect t="1316"/>
-          <a:stretch/>
-        </p:blipFill>
-        <p:spPr>
-          <a:xfrm>
-            <a:off x="-1" y="1412776"/>
-            <a:ext cx="12192001" cy="3960440"/>
-          </a:xfrm>
-          <a:prstGeom prst="rect">
-            <a:avLst/>
-          </a:prstGeom>
-          <a:ln>
-            <a:noFill/>
-          </a:ln>
-          <a:effectLst>
-            <a:outerShdw blurRad="190500" algn="tl" rotWithShape="0">
-              <a:srgbClr val="000000">
-                <a:alpha val="70000"/>
-              </a:srgbClr>
-            </a:outerShdw>
-          </a:effectLst>
-        </p:spPr>
-      </p:pic>
-    </p:spTree>
-    <p:extLst>
-      <p:ext uri="{BB962C8B-B14F-4D97-AF65-F5344CB8AC3E}">
-        <p14:creationId xmlns:p14="http://schemas.microsoft.com/office/powerpoint/2010/main" val="2009662148"/>
-      </p:ext>
-    </p:extLst>
-  </p:cSld>
-  <p:clrMapOvr>
-    <a:masterClrMapping/>
-  </p:clrMapOvr>
-</p:sld>
-</file>
-
-<file path=ppt/slides/slide29.xml><?xml version="1.0" encoding="utf-8"?>
-<p:sld xmlns:a="http://schemas.openxmlformats.org/drawingml/2006/main" xmlns:r="http://schemas.openxmlformats.org/officeDocument/2006/relationships" xmlns:p="http://schemas.openxmlformats.org/presentationml/2006/main">
-  <p:cSld>
-    <p:spTree>
-      <p:nvGrpSpPr>
-        <p:cNvPr id="1" name=""/>
-        <p:cNvGrpSpPr/>
-        <p:nvPr/>
-      </p:nvGrpSpPr>
-      <p:grpSpPr>
-        <a:xfrm>
-          <a:off x="0" y="0"/>
-          <a:ext cx="0" cy="0"/>
-          <a:chOff x="0" y="0"/>
-          <a:chExt cx="0" cy="0"/>
-        </a:xfrm>
-      </p:grpSpPr>
-      <p:sp>
-        <p:nvSpPr>
-          <p:cNvPr id="8" name="Прямоугольник 7"/>
-          <p:cNvSpPr/>
-          <p:nvPr/>
-        </p:nvSpPr>
-        <p:spPr>
-          <a:xfrm>
-            <a:off x="-1" y="-99392"/>
-            <a:ext cx="12192000" cy="6858000"/>
-          </a:xfrm>
-          <a:prstGeom prst="rect">
-            <a:avLst/>
-          </a:prstGeom>
-          <a:solidFill>
-            <a:schemeClr val="tx2">
-              <a:lumMod val="75000"/>
-            </a:schemeClr>
-          </a:solidFill>
-        </p:spPr>
-        <p:style>
-          <a:lnRef idx="2">
-            <a:schemeClr val="accent1">
-              <a:shade val="50000"/>
-            </a:schemeClr>
-          </a:lnRef>
-          <a:fillRef idx="1">
-            <a:schemeClr val="accent1"/>
-          </a:fillRef>
-          <a:effectRef idx="0">
-            <a:schemeClr val="accent1"/>
-          </a:effectRef>
-          <a:fontRef idx="minor">
-            <a:schemeClr val="lt1"/>
-          </a:fontRef>
-        </p:style>
-        <p:txBody>
-          <a:bodyPr rtlCol="0" anchor="ctr"/>
-          <a:lstStyle/>
-          <a:p>
-            <a:pPr algn="ctr"/>
-            <a:endParaRPr lang="uk-UA"/>
-          </a:p>
-        </p:txBody>
-      </p:sp>
-      <p:sp>
-        <p:nvSpPr>
-          <p:cNvPr id="10" name="Прямоугольник 9"/>
-          <p:cNvSpPr/>
-          <p:nvPr/>
-        </p:nvSpPr>
-        <p:spPr>
-          <a:xfrm>
-            <a:off x="744766" y="2767280"/>
-            <a:ext cx="10702481" cy="1107996"/>
-          </a:xfrm>
-          <a:prstGeom prst="rect">
-            <a:avLst/>
-          </a:prstGeom>
-        </p:spPr>
-        <p:txBody>
-          <a:bodyPr wrap="none">
-            <a:spAutoFit/>
-          </a:bodyPr>
-          <a:lstStyle/>
-          <a:p>
-            <a:pPr algn="ctr"/>
-            <a:r>
-              <a:rPr lang="ru-RU" sz="6600" b="1" dirty="0">
-                <a:solidFill>
-                  <a:schemeClr val="bg1"/>
-                </a:solidFill>
-              </a:rPr>
-              <a:t>11</a:t>
-            </a:r>
-            <a:r>
-              <a:rPr lang="uk-UA" sz="6600" b="1" dirty="0">
-                <a:solidFill>
-                  <a:schemeClr val="bg1"/>
-                </a:solidFill>
-              </a:rPr>
-              <a:t>. </a:t>
-            </a:r>
-            <a:r>
-              <a:rPr lang="en-US" sz="6600" b="1" dirty="0">
-                <a:solidFill>
-                  <a:srgbClr val="FFFF00"/>
-                </a:solidFill>
-              </a:rPr>
-              <a:t>S</a:t>
-            </a:r>
-            <a:r>
-              <a:rPr lang="en-US" sz="6600" b="1" dirty="0">
-                <a:solidFill>
-                  <a:schemeClr val="bg1"/>
-                </a:solidFill>
-              </a:rPr>
-              <a:t>ocial </a:t>
-            </a:r>
-            <a:r>
-              <a:rPr lang="en-US" sz="6600" b="1" dirty="0">
-                <a:solidFill>
-                  <a:srgbClr val="FFFF00"/>
-                </a:solidFill>
-              </a:rPr>
-              <a:t>M</a:t>
-            </a:r>
-            <a:r>
-              <a:rPr lang="en-US" sz="6600" b="1" dirty="0">
-                <a:solidFill>
-                  <a:schemeClr val="bg1"/>
-                </a:solidFill>
-              </a:rPr>
-              <a:t>edia </a:t>
-            </a:r>
-            <a:r>
-              <a:rPr lang="en-US" sz="6600" b="1" dirty="0">
-                <a:solidFill>
-                  <a:srgbClr val="FFFF00"/>
-                </a:solidFill>
-              </a:rPr>
-              <a:t>O</a:t>
-            </a:r>
-            <a:r>
-              <a:rPr lang="en-US" sz="6600" b="1" dirty="0">
-                <a:solidFill>
-                  <a:schemeClr val="bg1"/>
-                </a:solidFill>
-              </a:rPr>
-              <a:t>ptimization</a:t>
-            </a:r>
-            <a:endParaRPr lang="uk-UA" sz="6600" b="1" dirty="0">
-              <a:solidFill>
-                <a:schemeClr val="bg1"/>
-              </a:solidFill>
-            </a:endParaRPr>
-          </a:p>
-        </p:txBody>
-      </p:sp>
-    </p:spTree>
-    <p:extLst>
-      <p:ext uri="{BB962C8B-B14F-4D97-AF65-F5344CB8AC3E}">
-        <p14:creationId xmlns:p14="http://schemas.microsoft.com/office/powerpoint/2010/main" val="594424640"/>
-      </p:ext>
-    </p:extLst>
-  </p:cSld>
-  <p:clrMapOvr>
-    <a:masterClrMapping/>
-  </p:clrMapOvr>
-</p:sld>
-</file>
-
-<file path=ppt/slides/slide3.xml><?xml version="1.0" encoding="utf-8"?>
-<p:sld xmlns:a="http://schemas.openxmlformats.org/drawingml/2006/main" xmlns:r="http://schemas.openxmlformats.org/officeDocument/2006/relationships" xmlns:p="http://schemas.openxmlformats.org/presentationml/2006/main">
-  <p:cSld>
-    <p:spTree>
-      <p:nvGrpSpPr>
-        <p:cNvPr id="1" name=""/>
-        <p:cNvGrpSpPr/>
-        <p:nvPr/>
-      </p:nvGrpSpPr>
-      <p:grpSpPr>
-        <a:xfrm>
-          <a:off x="0" y="0"/>
-          <a:ext cx="0" cy="0"/>
-          <a:chOff x="0" y="0"/>
-          <a:chExt cx="0" cy="0"/>
-        </a:xfrm>
-      </p:grpSpPr>
-      <p:sp>
-        <p:nvSpPr>
-          <p:cNvPr id="3" name="TextBox 2"/>
-          <p:cNvSpPr txBox="1"/>
-          <p:nvPr/>
-        </p:nvSpPr>
-        <p:spPr>
-          <a:xfrm>
-            <a:off x="6542577" y="1690062"/>
-            <a:ext cx="5184576" cy="3477875"/>
-          </a:xfrm>
-          <a:prstGeom prst="rect">
-            <a:avLst/>
-          </a:prstGeom>
-          <a:noFill/>
-        </p:spPr>
-        <p:txBody>
-          <a:bodyPr wrap="square" rtlCol="0">
-            <a:spAutoFit/>
-          </a:bodyPr>
-          <a:lstStyle/>
-          <a:p>
-            <a:r>
-              <a:rPr lang="en-US" sz="4400" b="1" dirty="0"/>
-              <a:t>SEO</a:t>
-            </a:r>
-            <a:r>
-              <a:rPr lang="en-US" sz="4400" dirty="0"/>
-              <a:t> </a:t>
-            </a:r>
-            <a:r>
-              <a:rPr lang="ru-RU" sz="4400" dirty="0"/>
-              <a:t>(поисковая оптимизация) – попытка «</a:t>
-            </a:r>
-            <a:r>
-              <a:rPr lang="ru-RU" sz="4400" i="1" dirty="0"/>
-              <a:t>понравиться</a:t>
-            </a:r>
-            <a:r>
-              <a:rPr lang="ru-RU" sz="4400" dirty="0"/>
-              <a:t>» поисковой системе</a:t>
-            </a:r>
-            <a:endParaRPr lang="uk-UA" sz="4400" dirty="0"/>
-          </a:p>
-        </p:txBody>
-      </p:sp>
-      <p:pic>
-        <p:nvPicPr>
-          <p:cNvPr id="1026" name="Picture 2"/>
-          <p:cNvPicPr>
-            <a:picLocks noChangeAspect="1" noChangeArrowheads="1"/>
-          </p:cNvPicPr>
-          <p:nvPr/>
-        </p:nvPicPr>
-        <p:blipFill rotWithShape="1">
-          <a:blip r:embed="rId2" cstate="print"/>
-          <a:srcRect l="1" r="41608"/>
-          <a:stretch/>
-        </p:blipFill>
-        <p:spPr bwMode="auto">
-          <a:xfrm>
-            <a:off x="0" y="0"/>
-            <a:ext cx="6096000" cy="6858000"/>
-          </a:xfrm>
-          <a:prstGeom prst="rect">
-            <a:avLst/>
-          </a:prstGeom>
-          <a:ln>
-            <a:noFill/>
-          </a:ln>
-          <a:effectLst>
-            <a:outerShdw blurRad="190500" algn="tl" rotWithShape="0">
-              <a:srgbClr val="000000">
-                <a:alpha val="70000"/>
-              </a:srgbClr>
-            </a:outerShdw>
-          </a:effectLst>
-        </p:spPr>
-      </p:pic>
-      <p:sp>
-        <p:nvSpPr>
-          <p:cNvPr id="4" name="Номер слайда 36"/>
-          <p:cNvSpPr txBox="1">
-            <a:spLocks/>
-          </p:cNvSpPr>
-          <p:nvPr/>
-        </p:nvSpPr>
-        <p:spPr>
-          <a:xfrm>
-            <a:off x="11064552" y="6165304"/>
-            <a:ext cx="648072" cy="432048"/>
-          </a:xfrm>
-          <a:prstGeom prst="roundRect">
-            <a:avLst/>
-          </a:prstGeom>
-          <a:ln w="25400" cap="flat" cmpd="sng" algn="ctr">
-            <a:solidFill>
-              <a:schemeClr val="tx2">
-                <a:lumMod val="60000"/>
-                <a:lumOff val="40000"/>
-              </a:schemeClr>
-            </a:solidFill>
-            <a:prstDash val="solid"/>
-          </a:ln>
-        </p:spPr>
-        <p:style>
-          <a:lnRef idx="2">
-            <a:schemeClr val="accent1"/>
-          </a:lnRef>
-          <a:fillRef idx="1">
-            <a:schemeClr val="lt1"/>
-          </a:fillRef>
-          <a:effectRef idx="0">
-            <a:schemeClr val="accent1"/>
-          </a:effectRef>
-          <a:fontRef idx="minor">
-            <a:schemeClr val="dk1"/>
-          </a:fontRef>
-        </p:style>
-        <p:txBody>
-          <a:bodyPr vert="horz" lIns="91440" tIns="45720" rIns="91440" bIns="45720" rtlCol="0" anchor="ctr"/>
-          <a:lstStyle>
-            <a:defPPr>
-              <a:defRPr lang="uk-UA"/>
-            </a:defPPr>
-            <a:lvl1pPr marL="0" algn="l" defTabSz="914400" rtl="0" eaLnBrk="1" latinLnBrk="0" hangingPunct="1">
-              <a:defRPr sz="1800" kern="1200">
-                <a:solidFill>
-                  <a:schemeClr val="dk1"/>
-                </a:solidFill>
-                <a:latin typeface="+mn-lt"/>
-                <a:ea typeface="+mn-ea"/>
-                <a:cs typeface="+mn-cs"/>
-              </a:defRPr>
-            </a:lvl1pPr>
-            <a:lvl2pPr marL="457200" algn="l" defTabSz="914400" rtl="0" eaLnBrk="1" latinLnBrk="0" hangingPunct="1">
-              <a:defRPr sz="1800" kern="1200">
-                <a:solidFill>
-                  <a:schemeClr val="dk1"/>
-                </a:solidFill>
-                <a:latin typeface="+mn-lt"/>
-                <a:ea typeface="+mn-ea"/>
-                <a:cs typeface="+mn-cs"/>
-              </a:defRPr>
-            </a:lvl2pPr>
-            <a:lvl3pPr marL="914400" algn="l" defTabSz="914400" rtl="0" eaLnBrk="1" latinLnBrk="0" hangingPunct="1">
-              <a:defRPr sz="1800" kern="1200">
-                <a:solidFill>
-                  <a:schemeClr val="dk1"/>
-                </a:solidFill>
-                <a:latin typeface="+mn-lt"/>
-                <a:ea typeface="+mn-ea"/>
-                <a:cs typeface="+mn-cs"/>
-              </a:defRPr>
-            </a:lvl3pPr>
-            <a:lvl4pPr marL="1371600" algn="l" defTabSz="914400" rtl="0" eaLnBrk="1" latinLnBrk="0" hangingPunct="1">
-              <a:defRPr sz="1800" kern="1200">
-                <a:solidFill>
-                  <a:schemeClr val="dk1"/>
-                </a:solidFill>
-                <a:latin typeface="+mn-lt"/>
-                <a:ea typeface="+mn-ea"/>
-                <a:cs typeface="+mn-cs"/>
-              </a:defRPr>
-            </a:lvl4pPr>
-            <a:lvl5pPr marL="1828800" algn="l" defTabSz="914400" rtl="0" eaLnBrk="1" latinLnBrk="0" hangingPunct="1">
-              <a:defRPr sz="1800" kern="1200">
-                <a:solidFill>
-                  <a:schemeClr val="dk1"/>
-                </a:solidFill>
-                <a:latin typeface="+mn-lt"/>
-                <a:ea typeface="+mn-ea"/>
-                <a:cs typeface="+mn-cs"/>
-              </a:defRPr>
-            </a:lvl5pPr>
-            <a:lvl6pPr marL="2286000" algn="l" defTabSz="914400" rtl="0" eaLnBrk="1" latinLnBrk="0" hangingPunct="1">
-              <a:defRPr sz="1800" kern="1200">
-                <a:solidFill>
-                  <a:schemeClr val="dk1"/>
-                </a:solidFill>
-                <a:latin typeface="+mn-lt"/>
-                <a:ea typeface="+mn-ea"/>
-                <a:cs typeface="+mn-cs"/>
-              </a:defRPr>
-            </a:lvl6pPr>
-            <a:lvl7pPr marL="2743200" algn="l" defTabSz="914400" rtl="0" eaLnBrk="1" latinLnBrk="0" hangingPunct="1">
-              <a:defRPr sz="1800" kern="1200">
-                <a:solidFill>
-                  <a:schemeClr val="dk1"/>
-                </a:solidFill>
-                <a:latin typeface="+mn-lt"/>
-                <a:ea typeface="+mn-ea"/>
-                <a:cs typeface="+mn-cs"/>
-              </a:defRPr>
-            </a:lvl7pPr>
-            <a:lvl8pPr marL="3200400" algn="l" defTabSz="914400" rtl="0" eaLnBrk="1" latinLnBrk="0" hangingPunct="1">
-              <a:defRPr sz="1800" kern="1200">
-                <a:solidFill>
-                  <a:schemeClr val="dk1"/>
-                </a:solidFill>
-                <a:latin typeface="+mn-lt"/>
-                <a:ea typeface="+mn-ea"/>
-                <a:cs typeface="+mn-cs"/>
-              </a:defRPr>
-            </a:lvl8pPr>
-            <a:lvl9pPr marL="3657600" algn="l" defTabSz="914400" rtl="0" eaLnBrk="1" latinLnBrk="0" hangingPunct="1">
-              <a:defRPr sz="1800" kern="1200">
-                <a:solidFill>
-                  <a:schemeClr val="dk1"/>
-                </a:solidFill>
-                <a:latin typeface="+mn-lt"/>
-                <a:ea typeface="+mn-ea"/>
-                <a:cs typeface="+mn-cs"/>
-              </a:defRPr>
-            </a:lvl9pPr>
-          </a:lstStyle>
-          <a:p>
-            <a:pPr algn="ctr">
-              <a:defRPr/>
-            </a:pPr>
-            <a:fld id="{6389AA22-90B4-448C-8B6B-C699140D38B9}" type="slidenum">
-              <a:rPr lang="uk-UA" sz="2400" b="1">
-                <a:solidFill>
-                  <a:schemeClr val="bg1">
-                    <a:lumMod val="50000"/>
-                  </a:schemeClr>
-                </a:solidFill>
-              </a:rPr>
-              <a:pPr algn="ctr">
-                <a:defRPr/>
-              </a:pPr>
-              <a:t>3</a:t>
-            </a:fld>
-            <a:endParaRPr lang="uk-UA" sz="2400" b="1" dirty="0">
-              <a:solidFill>
-                <a:schemeClr val="bg1">
-                  <a:lumMod val="50000"/>
-                </a:schemeClr>
-              </a:solidFill>
-            </a:endParaRPr>
-          </a:p>
-        </p:txBody>
-      </p:sp>
-    </p:spTree>
-    <p:extLst>
-      <p:ext uri="{BB962C8B-B14F-4D97-AF65-F5344CB8AC3E}">
-        <p14:creationId xmlns:p14="http://schemas.microsoft.com/office/powerpoint/2010/main" val="3585602570"/>
-      </p:ext>
-    </p:extLst>
-  </p:cSld>
-  <p:clrMapOvr>
-    <a:masterClrMapping/>
-  </p:clrMapOvr>
-</p:sld>
-</file>
-
-<file path=ppt/slides/slide30.xml><?xml version="1.0" encoding="utf-8"?>
-<p:sld xmlns:a="http://schemas.openxmlformats.org/drawingml/2006/main" xmlns:r="http://schemas.openxmlformats.org/officeDocument/2006/relationships" xmlns:p="http://schemas.openxmlformats.org/presentationml/2006/main">
-  <p:cSld>
-    <p:spTree>
-      <p:nvGrpSpPr>
-        <p:cNvPr id="1" name=""/>
-        <p:cNvGrpSpPr/>
-        <p:nvPr/>
-      </p:nvGrpSpPr>
-      <p:grpSpPr>
-        <a:xfrm>
-          <a:off x="0" y="0"/>
-          <a:ext cx="0" cy="0"/>
-          <a:chOff x="0" y="0"/>
-          <a:chExt cx="0" cy="0"/>
-        </a:xfrm>
-      </p:grpSpPr>
-      <p:sp>
-        <p:nvSpPr>
-          <p:cNvPr id="6" name="TextBox 5"/>
-          <p:cNvSpPr txBox="1"/>
-          <p:nvPr/>
-        </p:nvSpPr>
-        <p:spPr>
-          <a:xfrm>
-            <a:off x="2063552" y="1988840"/>
-            <a:ext cx="8208912" cy="3539430"/>
-          </a:xfrm>
-          <a:prstGeom prst="rect">
-            <a:avLst/>
-          </a:prstGeom>
-          <a:noFill/>
-        </p:spPr>
-        <p:txBody>
-          <a:bodyPr wrap="square" rtlCol="0">
-            <a:spAutoFit/>
-          </a:bodyPr>
-          <a:lstStyle/>
-          <a:p>
-            <a:r>
-              <a:rPr lang="ru-RU" sz="3200" b="1" dirty="0"/>
-              <a:t>Оптимизация для социальных медиа </a:t>
-            </a:r>
-            <a:r>
-              <a:rPr lang="ru-RU" sz="3200" dirty="0"/>
-              <a:t>(</a:t>
-            </a:r>
-            <a:r>
-              <a:rPr lang="ru-RU" sz="3200" b="1" dirty="0"/>
-              <a:t>SMO</a:t>
-            </a:r>
-            <a:r>
-              <a:rPr lang="ru-RU" sz="3200" dirty="0"/>
-              <a:t>) предназначена не для поисковых машин, а для социальных сетей и блогов, чтобы привлечь оттуда трафик к себе на сайт или сформировать сообщество по интересам внутри социального ресурса.</a:t>
-            </a:r>
-            <a:r>
-              <a:rPr lang="en-US" sz="3200" dirty="0"/>
-              <a:t> </a:t>
-            </a:r>
-            <a:r>
-              <a:rPr lang="en-US" sz="3200" b="1" dirty="0"/>
-              <a:t>SMO</a:t>
-            </a:r>
-            <a:r>
-              <a:rPr lang="en-US" sz="3200" dirty="0"/>
-              <a:t> - </a:t>
-            </a:r>
-            <a:r>
-              <a:rPr lang="ru-RU" sz="3200" dirty="0"/>
-              <a:t>часть </a:t>
-            </a:r>
-            <a:r>
-              <a:rPr lang="en-US" sz="3200" b="1" dirty="0"/>
-              <a:t>SMM</a:t>
-            </a:r>
-            <a:r>
-              <a:rPr lang="en-US" sz="3200" dirty="0"/>
-              <a:t> (</a:t>
-            </a:r>
-            <a:r>
-              <a:rPr lang="en-US" sz="3200" b="1" dirty="0"/>
-              <a:t>Social Media Marketing</a:t>
-            </a:r>
-            <a:r>
-              <a:rPr lang="en-US" sz="3200" dirty="0"/>
-              <a:t>). </a:t>
-            </a:r>
-            <a:endParaRPr lang="ru-RU" sz="3200" dirty="0"/>
-          </a:p>
-        </p:txBody>
-      </p:sp>
-      <p:sp>
-        <p:nvSpPr>
-          <p:cNvPr id="7" name="TextBox 6"/>
-          <p:cNvSpPr txBox="1"/>
-          <p:nvPr/>
-        </p:nvSpPr>
-        <p:spPr>
-          <a:xfrm>
-            <a:off x="0" y="620688"/>
-            <a:ext cx="12192000" cy="830997"/>
-          </a:xfrm>
-          <a:prstGeom prst="rect">
-            <a:avLst/>
-          </a:prstGeom>
-          <a:noFill/>
-        </p:spPr>
-        <p:txBody>
-          <a:bodyPr wrap="square" rtlCol="0">
-            <a:spAutoFit/>
-          </a:bodyPr>
-          <a:lstStyle/>
-          <a:p>
-            <a:pPr algn="ctr"/>
-            <a:r>
-              <a:rPr lang="en-US" sz="4800" b="1" dirty="0">
-                <a:solidFill>
-                  <a:schemeClr val="accent6">
-                    <a:lumMod val="75000"/>
-                  </a:schemeClr>
-                </a:solidFill>
-              </a:rPr>
-              <a:t>S</a:t>
-            </a:r>
-            <a:r>
-              <a:rPr lang="en-US" sz="4800" b="1" dirty="0"/>
-              <a:t>ocial </a:t>
-            </a:r>
-            <a:r>
-              <a:rPr lang="en-US" sz="4800" b="1" dirty="0">
-                <a:solidFill>
-                  <a:schemeClr val="accent6">
-                    <a:lumMod val="75000"/>
-                  </a:schemeClr>
-                </a:solidFill>
-              </a:rPr>
-              <a:t>M</a:t>
-            </a:r>
-            <a:r>
-              <a:rPr lang="en-US" sz="4800" b="1" dirty="0"/>
-              <a:t>edia </a:t>
-            </a:r>
-            <a:r>
-              <a:rPr lang="en-US" sz="4800" b="1" dirty="0">
-                <a:solidFill>
-                  <a:schemeClr val="accent6">
-                    <a:lumMod val="75000"/>
-                  </a:schemeClr>
-                </a:solidFill>
-              </a:rPr>
-              <a:t>O</a:t>
-            </a:r>
-            <a:r>
-              <a:rPr lang="en-US" sz="4800" b="1" dirty="0"/>
-              <a:t>ptimization</a:t>
-            </a:r>
-            <a:endParaRPr lang="uk-UA" sz="4800" b="1" dirty="0"/>
-          </a:p>
-        </p:txBody>
-      </p:sp>
-      <p:sp>
-        <p:nvSpPr>
-          <p:cNvPr id="8" name="Номер слайда 36"/>
-          <p:cNvSpPr txBox="1">
-            <a:spLocks/>
-          </p:cNvSpPr>
-          <p:nvPr/>
-        </p:nvSpPr>
-        <p:spPr>
-          <a:xfrm>
-            <a:off x="11064552" y="6093296"/>
-            <a:ext cx="648072" cy="432048"/>
-          </a:xfrm>
-          <a:prstGeom prst="roundRect">
-            <a:avLst/>
-          </a:prstGeom>
-          <a:ln w="25400" cap="flat" cmpd="sng" algn="ctr">
-            <a:solidFill>
-              <a:schemeClr val="tx2">
-                <a:lumMod val="60000"/>
-                <a:lumOff val="40000"/>
-              </a:schemeClr>
-            </a:solidFill>
-            <a:prstDash val="solid"/>
-          </a:ln>
-        </p:spPr>
-        <p:style>
-          <a:lnRef idx="2">
-            <a:schemeClr val="accent1"/>
-          </a:lnRef>
-          <a:fillRef idx="1">
-            <a:schemeClr val="lt1"/>
-          </a:fillRef>
-          <a:effectRef idx="0">
-            <a:schemeClr val="accent1"/>
-          </a:effectRef>
-          <a:fontRef idx="minor">
-            <a:schemeClr val="dk1"/>
-          </a:fontRef>
-        </p:style>
-        <p:txBody>
-          <a:bodyPr vert="horz" lIns="91440" tIns="45720" rIns="91440" bIns="45720" rtlCol="0" anchor="ctr"/>
-          <a:lstStyle>
-            <a:defPPr>
-              <a:defRPr lang="uk-UA"/>
-            </a:defPPr>
-            <a:lvl1pPr marL="0" algn="l" defTabSz="914400" rtl="0" eaLnBrk="1" latinLnBrk="0" hangingPunct="1">
-              <a:defRPr sz="1800" kern="1200">
-                <a:solidFill>
-                  <a:schemeClr val="dk1"/>
-                </a:solidFill>
-                <a:latin typeface="+mn-lt"/>
-                <a:ea typeface="+mn-ea"/>
-                <a:cs typeface="+mn-cs"/>
-              </a:defRPr>
-            </a:lvl1pPr>
-            <a:lvl2pPr marL="457200" algn="l" defTabSz="914400" rtl="0" eaLnBrk="1" latinLnBrk="0" hangingPunct="1">
-              <a:defRPr sz="1800" kern="1200">
-                <a:solidFill>
-                  <a:schemeClr val="dk1"/>
-                </a:solidFill>
-                <a:latin typeface="+mn-lt"/>
-                <a:ea typeface="+mn-ea"/>
-                <a:cs typeface="+mn-cs"/>
-              </a:defRPr>
-            </a:lvl2pPr>
-            <a:lvl3pPr marL="914400" algn="l" defTabSz="914400" rtl="0" eaLnBrk="1" latinLnBrk="0" hangingPunct="1">
-              <a:defRPr sz="1800" kern="1200">
-                <a:solidFill>
-                  <a:schemeClr val="dk1"/>
-                </a:solidFill>
-                <a:latin typeface="+mn-lt"/>
-                <a:ea typeface="+mn-ea"/>
-                <a:cs typeface="+mn-cs"/>
-              </a:defRPr>
-            </a:lvl3pPr>
-            <a:lvl4pPr marL="1371600" algn="l" defTabSz="914400" rtl="0" eaLnBrk="1" latinLnBrk="0" hangingPunct="1">
-              <a:defRPr sz="1800" kern="1200">
-                <a:solidFill>
-                  <a:schemeClr val="dk1"/>
-                </a:solidFill>
-                <a:latin typeface="+mn-lt"/>
-                <a:ea typeface="+mn-ea"/>
-                <a:cs typeface="+mn-cs"/>
-              </a:defRPr>
-            </a:lvl4pPr>
-            <a:lvl5pPr marL="1828800" algn="l" defTabSz="914400" rtl="0" eaLnBrk="1" latinLnBrk="0" hangingPunct="1">
-              <a:defRPr sz="1800" kern="1200">
-                <a:solidFill>
-                  <a:schemeClr val="dk1"/>
-                </a:solidFill>
-                <a:latin typeface="+mn-lt"/>
-                <a:ea typeface="+mn-ea"/>
-                <a:cs typeface="+mn-cs"/>
-              </a:defRPr>
-            </a:lvl5pPr>
-            <a:lvl6pPr marL="2286000" algn="l" defTabSz="914400" rtl="0" eaLnBrk="1" latinLnBrk="0" hangingPunct="1">
-              <a:defRPr sz="1800" kern="1200">
-                <a:solidFill>
-                  <a:schemeClr val="dk1"/>
-                </a:solidFill>
-                <a:latin typeface="+mn-lt"/>
-                <a:ea typeface="+mn-ea"/>
-                <a:cs typeface="+mn-cs"/>
-              </a:defRPr>
-            </a:lvl6pPr>
-            <a:lvl7pPr marL="2743200" algn="l" defTabSz="914400" rtl="0" eaLnBrk="1" latinLnBrk="0" hangingPunct="1">
-              <a:defRPr sz="1800" kern="1200">
-                <a:solidFill>
-                  <a:schemeClr val="dk1"/>
-                </a:solidFill>
-                <a:latin typeface="+mn-lt"/>
-                <a:ea typeface="+mn-ea"/>
-                <a:cs typeface="+mn-cs"/>
-              </a:defRPr>
-            </a:lvl7pPr>
-            <a:lvl8pPr marL="3200400" algn="l" defTabSz="914400" rtl="0" eaLnBrk="1" latinLnBrk="0" hangingPunct="1">
-              <a:defRPr sz="1800" kern="1200">
-                <a:solidFill>
-                  <a:schemeClr val="dk1"/>
-                </a:solidFill>
-                <a:latin typeface="+mn-lt"/>
-                <a:ea typeface="+mn-ea"/>
-                <a:cs typeface="+mn-cs"/>
-              </a:defRPr>
-            </a:lvl8pPr>
-            <a:lvl9pPr marL="3657600" algn="l" defTabSz="914400" rtl="0" eaLnBrk="1" latinLnBrk="0" hangingPunct="1">
-              <a:defRPr sz="1800" kern="1200">
-                <a:solidFill>
-                  <a:schemeClr val="dk1"/>
-                </a:solidFill>
-                <a:latin typeface="+mn-lt"/>
-                <a:ea typeface="+mn-ea"/>
-                <a:cs typeface="+mn-cs"/>
-              </a:defRPr>
-            </a:lvl9pPr>
-          </a:lstStyle>
-          <a:p>
-            <a:pPr algn="ctr">
-              <a:defRPr/>
-            </a:pPr>
-            <a:fld id="{6389AA22-90B4-448C-8B6B-C699140D38B9}" type="slidenum">
-              <a:rPr lang="uk-UA" sz="2400" b="1">
-                <a:solidFill>
-                  <a:schemeClr val="bg1">
-                    <a:lumMod val="50000"/>
-                  </a:schemeClr>
-                </a:solidFill>
-              </a:rPr>
-              <a:pPr algn="ctr">
-                <a:defRPr/>
-              </a:pPr>
-              <a:t>30</a:t>
-            </a:fld>
-            <a:endParaRPr lang="uk-UA" sz="2400" b="1" dirty="0">
-              <a:solidFill>
-                <a:schemeClr val="bg1">
-                  <a:lumMod val="50000"/>
-                </a:schemeClr>
-              </a:solidFill>
-            </a:endParaRPr>
-          </a:p>
-        </p:txBody>
-      </p:sp>
-    </p:spTree>
-    <p:extLst>
-      <p:ext uri="{BB962C8B-B14F-4D97-AF65-F5344CB8AC3E}">
-        <p14:creationId xmlns:p14="http://schemas.microsoft.com/office/powerpoint/2010/main" val="2808792706"/>
-      </p:ext>
-    </p:extLst>
-  </p:cSld>
-  <p:clrMapOvr>
-    <a:masterClrMapping/>
-  </p:clrMapOvr>
-</p:sld>
-</file>
-
-<file path=ppt/slides/slide31.xml><?xml version="1.0" encoding="utf-8"?>
-<p:sld xmlns:a="http://schemas.openxmlformats.org/drawingml/2006/main" xmlns:r="http://schemas.openxmlformats.org/officeDocument/2006/relationships" xmlns:p="http://schemas.openxmlformats.org/presentationml/2006/main">
-  <p:cSld>
-    <p:spTree>
-      <p:nvGrpSpPr>
-        <p:cNvPr id="1" name=""/>
-        <p:cNvGrpSpPr/>
-        <p:nvPr/>
-      </p:nvGrpSpPr>
-      <p:grpSpPr>
-        <a:xfrm>
-          <a:off x="0" y="0"/>
-          <a:ext cx="0" cy="0"/>
-          <a:chOff x="0" y="0"/>
-          <a:chExt cx="0" cy="0"/>
-        </a:xfrm>
-      </p:grpSpPr>
-      <p:sp>
-        <p:nvSpPr>
-          <p:cNvPr id="5" name="TextBox 4"/>
-          <p:cNvSpPr txBox="1"/>
-          <p:nvPr/>
-        </p:nvSpPr>
-        <p:spPr>
-          <a:xfrm>
-            <a:off x="7032104" y="3212976"/>
-            <a:ext cx="5159896" cy="707886"/>
-          </a:xfrm>
-          <a:prstGeom prst="rect">
-            <a:avLst/>
-          </a:prstGeom>
-          <a:noFill/>
-        </p:spPr>
-        <p:txBody>
-          <a:bodyPr wrap="square" rtlCol="0">
-            <a:spAutoFit/>
-          </a:bodyPr>
-          <a:lstStyle/>
-          <a:p>
-            <a:pPr algn="ctr"/>
-            <a:r>
-              <a:rPr lang="en-US" sz="4000" b="1" dirty="0"/>
-              <a:t>Share</a:t>
-            </a:r>
-            <a:r>
-              <a:rPr lang="en-US" sz="4000" dirty="0"/>
-              <a:t> &amp; </a:t>
-            </a:r>
-            <a:r>
-              <a:rPr lang="en-US" sz="4000" b="1" dirty="0" err="1"/>
-              <a:t>OpenGraph</a:t>
-            </a:r>
-            <a:endParaRPr lang="ru-RU" sz="4000" b="1" dirty="0"/>
-          </a:p>
-        </p:txBody>
-      </p:sp>
-      <p:sp>
-        <p:nvSpPr>
-          <p:cNvPr id="6" name="Номер слайда 36"/>
-          <p:cNvSpPr txBox="1">
-            <a:spLocks/>
-          </p:cNvSpPr>
-          <p:nvPr/>
-        </p:nvSpPr>
-        <p:spPr>
-          <a:xfrm>
-            <a:off x="11136560" y="6165304"/>
-            <a:ext cx="648072" cy="432048"/>
-          </a:xfrm>
-          <a:prstGeom prst="roundRect">
-            <a:avLst/>
-          </a:prstGeom>
-          <a:ln w="25400" cap="flat" cmpd="sng" algn="ctr">
-            <a:solidFill>
-              <a:schemeClr val="tx2">
-                <a:lumMod val="60000"/>
-                <a:lumOff val="40000"/>
-              </a:schemeClr>
-            </a:solidFill>
-            <a:prstDash val="solid"/>
-          </a:ln>
-        </p:spPr>
-        <p:style>
-          <a:lnRef idx="2">
-            <a:schemeClr val="accent1"/>
-          </a:lnRef>
-          <a:fillRef idx="1">
-            <a:schemeClr val="lt1"/>
-          </a:fillRef>
-          <a:effectRef idx="0">
-            <a:schemeClr val="accent1"/>
-          </a:effectRef>
-          <a:fontRef idx="minor">
-            <a:schemeClr val="dk1"/>
-          </a:fontRef>
-        </p:style>
-        <p:txBody>
-          <a:bodyPr vert="horz" lIns="91440" tIns="45720" rIns="91440" bIns="45720" rtlCol="0" anchor="ctr"/>
-          <a:lstStyle>
-            <a:defPPr>
-              <a:defRPr lang="uk-UA"/>
-            </a:defPPr>
-            <a:lvl1pPr marL="0" algn="l" defTabSz="914400" rtl="0" eaLnBrk="1" latinLnBrk="0" hangingPunct="1">
-              <a:defRPr sz="1800" kern="1200">
-                <a:solidFill>
-                  <a:schemeClr val="dk1"/>
-                </a:solidFill>
-                <a:latin typeface="+mn-lt"/>
-                <a:ea typeface="+mn-ea"/>
-                <a:cs typeface="+mn-cs"/>
-              </a:defRPr>
-            </a:lvl1pPr>
-            <a:lvl2pPr marL="457200" algn="l" defTabSz="914400" rtl="0" eaLnBrk="1" latinLnBrk="0" hangingPunct="1">
-              <a:defRPr sz="1800" kern="1200">
-                <a:solidFill>
-                  <a:schemeClr val="dk1"/>
-                </a:solidFill>
-                <a:latin typeface="+mn-lt"/>
-                <a:ea typeface="+mn-ea"/>
-                <a:cs typeface="+mn-cs"/>
-              </a:defRPr>
-            </a:lvl2pPr>
-            <a:lvl3pPr marL="914400" algn="l" defTabSz="914400" rtl="0" eaLnBrk="1" latinLnBrk="0" hangingPunct="1">
-              <a:defRPr sz="1800" kern="1200">
-                <a:solidFill>
-                  <a:schemeClr val="dk1"/>
-                </a:solidFill>
-                <a:latin typeface="+mn-lt"/>
-                <a:ea typeface="+mn-ea"/>
-                <a:cs typeface="+mn-cs"/>
-              </a:defRPr>
-            </a:lvl3pPr>
-            <a:lvl4pPr marL="1371600" algn="l" defTabSz="914400" rtl="0" eaLnBrk="1" latinLnBrk="0" hangingPunct="1">
-              <a:defRPr sz="1800" kern="1200">
-                <a:solidFill>
-                  <a:schemeClr val="dk1"/>
-                </a:solidFill>
-                <a:latin typeface="+mn-lt"/>
-                <a:ea typeface="+mn-ea"/>
-                <a:cs typeface="+mn-cs"/>
-              </a:defRPr>
-            </a:lvl4pPr>
-            <a:lvl5pPr marL="1828800" algn="l" defTabSz="914400" rtl="0" eaLnBrk="1" latinLnBrk="0" hangingPunct="1">
-              <a:defRPr sz="1800" kern="1200">
-                <a:solidFill>
-                  <a:schemeClr val="dk1"/>
-                </a:solidFill>
-                <a:latin typeface="+mn-lt"/>
-                <a:ea typeface="+mn-ea"/>
-                <a:cs typeface="+mn-cs"/>
-              </a:defRPr>
-            </a:lvl5pPr>
-            <a:lvl6pPr marL="2286000" algn="l" defTabSz="914400" rtl="0" eaLnBrk="1" latinLnBrk="0" hangingPunct="1">
-              <a:defRPr sz="1800" kern="1200">
-                <a:solidFill>
-                  <a:schemeClr val="dk1"/>
-                </a:solidFill>
-                <a:latin typeface="+mn-lt"/>
-                <a:ea typeface="+mn-ea"/>
-                <a:cs typeface="+mn-cs"/>
-              </a:defRPr>
-            </a:lvl6pPr>
-            <a:lvl7pPr marL="2743200" algn="l" defTabSz="914400" rtl="0" eaLnBrk="1" latinLnBrk="0" hangingPunct="1">
-              <a:defRPr sz="1800" kern="1200">
-                <a:solidFill>
-                  <a:schemeClr val="dk1"/>
-                </a:solidFill>
-                <a:latin typeface="+mn-lt"/>
-                <a:ea typeface="+mn-ea"/>
-                <a:cs typeface="+mn-cs"/>
-              </a:defRPr>
-            </a:lvl7pPr>
-            <a:lvl8pPr marL="3200400" algn="l" defTabSz="914400" rtl="0" eaLnBrk="1" latinLnBrk="0" hangingPunct="1">
-              <a:defRPr sz="1800" kern="1200">
-                <a:solidFill>
-                  <a:schemeClr val="dk1"/>
-                </a:solidFill>
-                <a:latin typeface="+mn-lt"/>
-                <a:ea typeface="+mn-ea"/>
-                <a:cs typeface="+mn-cs"/>
-              </a:defRPr>
-            </a:lvl8pPr>
-            <a:lvl9pPr marL="3657600" algn="l" defTabSz="914400" rtl="0" eaLnBrk="1" latinLnBrk="0" hangingPunct="1">
-              <a:defRPr sz="1800" kern="1200">
-                <a:solidFill>
-                  <a:schemeClr val="dk1"/>
-                </a:solidFill>
-                <a:latin typeface="+mn-lt"/>
-                <a:ea typeface="+mn-ea"/>
-                <a:cs typeface="+mn-cs"/>
-              </a:defRPr>
-            </a:lvl9pPr>
-          </a:lstStyle>
-          <a:p>
-            <a:pPr algn="ctr">
-              <a:defRPr/>
-            </a:pPr>
-            <a:fld id="{6389AA22-90B4-448C-8B6B-C699140D38B9}" type="slidenum">
-              <a:rPr lang="uk-UA" sz="2400" b="1">
-                <a:solidFill>
-                  <a:schemeClr val="bg1">
-                    <a:lumMod val="50000"/>
-                  </a:schemeClr>
-                </a:solidFill>
-              </a:rPr>
-              <a:pPr algn="ctr">
-                <a:defRPr/>
-              </a:pPr>
-              <a:t>31</a:t>
+              <a:t>25</a:t>
             </a:fld>
             <a:endParaRPr lang="uk-UA" sz="2400" b="1" dirty="0">
               <a:solidFill>
@@ -10887,7 +8759,7 @@
 </p:sld>
 </file>
 
-<file path=ppt/slides/slide32.xml><?xml version="1.0" encoding="utf-8"?>
+<file path=ppt/slides/slide26.xml><?xml version="1.0" encoding="utf-8"?>
 <p:sld xmlns:a="http://schemas.openxmlformats.org/drawingml/2006/main" xmlns:r="http://schemas.openxmlformats.org/officeDocument/2006/relationships" xmlns:p="http://schemas.openxmlformats.org/presentationml/2006/main">
   <p:cSld>
     <p:spTree>
@@ -11165,7 +9037,7 @@
               <a:pPr algn="ctr">
                 <a:defRPr/>
               </a:pPr>
-              <a:t>32</a:t>
+              <a:t>26</a:t>
             </a:fld>
             <a:endParaRPr lang="uk-UA" sz="2400" b="1" dirty="0">
               <a:solidFill>
@@ -11190,7 +9062,7 @@
 </p:sld>
 </file>
 
-<file path=ppt/slides/slide33.xml><?xml version="1.0" encoding="utf-8"?>
+<file path=ppt/slides/slide27.xml><?xml version="1.0" encoding="utf-8"?>
 <p:sld xmlns:a="http://schemas.openxmlformats.org/drawingml/2006/main" xmlns:r="http://schemas.openxmlformats.org/officeDocument/2006/relationships" xmlns:p="http://schemas.openxmlformats.org/presentationml/2006/main">
   <p:cSld>
     <p:spTree>
@@ -11398,7 +9270,7 @@
               <a:pPr algn="ctr">
                 <a:defRPr/>
               </a:pPr>
-              <a:t>33</a:t>
+              <a:t>27</a:t>
             </a:fld>
             <a:endParaRPr lang="uk-UA" sz="2400" b="1" dirty="0">
               <a:solidFill>
@@ -11504,7 +9376,7 @@
 </p:sld>
 </file>
 
-<file path=ppt/slides/slide34.xml><?xml version="1.0" encoding="utf-8"?>
+<file path=ppt/slides/slide28.xml><?xml version="1.0" encoding="utf-8"?>
 <p:sld xmlns:a="http://schemas.openxmlformats.org/drawingml/2006/main" xmlns:r="http://schemas.openxmlformats.org/officeDocument/2006/relationships" xmlns:p="http://schemas.openxmlformats.org/presentationml/2006/main">
   <p:cSld>
     <p:spTree>
@@ -11712,7 +9584,7 @@
               <a:pPr algn="ctr">
                 <a:defRPr/>
               </a:pPr>
-              <a:t>34</a:t>
+              <a:t>28</a:t>
             </a:fld>
             <a:endParaRPr lang="uk-UA" sz="2400" b="1" dirty="0">
               <a:solidFill>
@@ -11897,7 +9769,7 @@
 </p:sld>
 </file>
 
-<file path=ppt/slides/slide35.xml><?xml version="1.0" encoding="utf-8"?>
+<file path=ppt/slides/slide29.xml><?xml version="1.0" encoding="utf-8"?>
 <p:sld xmlns:a="http://schemas.openxmlformats.org/drawingml/2006/main" xmlns:r="http://schemas.openxmlformats.org/officeDocument/2006/relationships" xmlns:p="http://schemas.openxmlformats.org/presentationml/2006/main">
   <p:cSld>
     <p:spTree>
@@ -11995,7 +9867,7 @@
                   <a:schemeClr val="bg1"/>
                 </a:solidFill>
               </a:rPr>
-              <a:t>2</a:t>
+              <a:t>0</a:t>
             </a:r>
             <a:r>
               <a:rPr lang="en-US" sz="7200" b="1" dirty="0">
@@ -12026,7 +9898,7 @@
 </p:sld>
 </file>
 
-<file path=ppt/slides/slide36.xml><?xml version="1.0" encoding="utf-8"?>
+<file path=ppt/slides/slide3.xml><?xml version="1.0" encoding="utf-8"?>
 <p:sld xmlns:a="http://schemas.openxmlformats.org/drawingml/2006/main" xmlns:r="http://schemas.openxmlformats.org/officeDocument/2006/relationships" xmlns:p="http://schemas.openxmlformats.org/presentationml/2006/main">
   <p:cSld>
     <p:spTree>
@@ -12045,7 +9917,86 @@
       </p:grpSpPr>
       <p:sp>
         <p:nvSpPr>
-          <p:cNvPr id="6" name="Номер слайда 36"/>
+          <p:cNvPr id="3" name="TextBox 2"/>
+          <p:cNvSpPr txBox="1"/>
+          <p:nvPr/>
+        </p:nvSpPr>
+        <p:spPr>
+          <a:xfrm>
+            <a:off x="6542577" y="1690062"/>
+            <a:ext cx="5184576" cy="3477875"/>
+          </a:xfrm>
+          <a:prstGeom prst="rect">
+            <a:avLst/>
+          </a:prstGeom>
+          <a:noFill/>
+        </p:spPr>
+        <p:txBody>
+          <a:bodyPr wrap="square" rtlCol="0">
+            <a:spAutoFit/>
+          </a:bodyPr>
+          <a:lstStyle/>
+          <a:p>
+            <a:r>
+              <a:rPr lang="en-US" sz="4400" b="1" dirty="0"/>
+              <a:t>SEO</a:t>
+            </a:r>
+            <a:r>
+              <a:rPr lang="en-US" sz="4400" dirty="0"/>
+              <a:t> </a:t>
+            </a:r>
+            <a:r>
+              <a:rPr lang="ru-RU" sz="4400" dirty="0"/>
+              <a:t>(поисковая оптимизация) – попытка «</a:t>
+            </a:r>
+            <a:r>
+              <a:rPr lang="ru-RU" sz="4400" i="1" dirty="0"/>
+              <a:t>понравиться</a:t>
+            </a:r>
+            <a:r>
+              <a:rPr lang="ru-RU" sz="4400" dirty="0"/>
+              <a:t>» поисковой системе</a:t>
+            </a:r>
+            <a:endParaRPr lang="uk-UA" sz="4400" dirty="0"/>
+          </a:p>
+        </p:txBody>
+      </p:sp>
+      <p:pic>
+        <p:nvPicPr>
+          <p:cNvPr id="1026" name="Picture 2"/>
+          <p:cNvPicPr>
+            <a:picLocks noChangeAspect="1" noChangeArrowheads="1"/>
+          </p:cNvPicPr>
+          <p:nvPr/>
+        </p:nvPicPr>
+        <p:blipFill rotWithShape="1">
+          <a:blip r:embed="rId2" cstate="print"/>
+          <a:srcRect l="1" r="41608"/>
+          <a:stretch/>
+        </p:blipFill>
+        <p:spPr bwMode="auto">
+          <a:xfrm>
+            <a:off x="0" y="0"/>
+            <a:ext cx="6096000" cy="6858000"/>
+          </a:xfrm>
+          <a:prstGeom prst="rect">
+            <a:avLst/>
+          </a:prstGeom>
+          <a:ln>
+            <a:noFill/>
+          </a:ln>
+          <a:effectLst>
+            <a:outerShdw blurRad="190500" algn="tl" rotWithShape="0">
+              <a:srgbClr val="000000">
+                <a:alpha val="70000"/>
+              </a:srgbClr>
+            </a:outerShdw>
+          </a:effectLst>
+        </p:spPr>
+      </p:pic>
+      <p:sp>
+        <p:nvSpPr>
+          <p:cNvPr id="4" name="Номер слайда 36"/>
           <p:cNvSpPr txBox="1">
             <a:spLocks/>
           </p:cNvSpPr>
@@ -12053,7 +10004,7 @@
         </p:nvSpPr>
         <p:spPr>
           <a:xfrm>
-            <a:off x="11136560" y="6119718"/>
+            <a:off x="11064552" y="6165304"/>
             <a:ext cx="648072" cy="432048"/>
           </a:xfrm>
           <a:prstGeom prst="roundRect">
@@ -12195,7 +10146,7 @@
               <a:pPr algn="ctr">
                 <a:defRPr/>
               </a:pPr>
-              <a:t>36</a:t>
+              <a:t>3</a:t>
             </a:fld>
             <a:endParaRPr lang="uk-UA" sz="2400" b="1" dirty="0">
               <a:solidFill>
@@ -12207,105 +10158,10 @@
           </a:p>
         </p:txBody>
       </p:sp>
-      <p:pic>
-        <p:nvPicPr>
-          <p:cNvPr id="2" name="Рисунок 1"/>
-          <p:cNvPicPr>
-            <a:picLocks noChangeAspect="1"/>
-          </p:cNvPicPr>
-          <p:nvPr/>
-        </p:nvPicPr>
-        <p:blipFill>
-          <a:blip r:embed="rId2"/>
-          <a:stretch>
-            <a:fillRect/>
-          </a:stretch>
-        </p:blipFill>
-        <p:spPr>
-          <a:xfrm>
-            <a:off x="3107668" y="1340769"/>
-            <a:ext cx="5688632" cy="4250411"/>
-          </a:xfrm>
-          <a:prstGeom prst="rect">
-            <a:avLst/>
-          </a:prstGeom>
-          <a:ln>
-            <a:noFill/>
-          </a:ln>
-          <a:effectLst>
-            <a:outerShdw blurRad="292100" dist="139700" dir="2700000" algn="tl" rotWithShape="0">
-              <a:srgbClr val="333333">
-                <a:alpha val="65000"/>
-              </a:srgbClr>
-            </a:outerShdw>
-          </a:effectLst>
-        </p:spPr>
-      </p:pic>
-      <p:sp>
-        <p:nvSpPr>
-          <p:cNvPr id="3" name="TextBox 2"/>
-          <p:cNvSpPr txBox="1"/>
-          <p:nvPr/>
-        </p:nvSpPr>
-        <p:spPr>
-          <a:xfrm>
-            <a:off x="2495600" y="314654"/>
-            <a:ext cx="6912768" cy="954107"/>
-          </a:xfrm>
-          <a:prstGeom prst="rect">
-            <a:avLst/>
-          </a:prstGeom>
-          <a:noFill/>
-        </p:spPr>
-        <p:txBody>
-          <a:bodyPr wrap="square" rtlCol="0">
-            <a:spAutoFit/>
-          </a:bodyPr>
-          <a:lstStyle/>
-          <a:p>
-            <a:pPr algn="ctr"/>
-            <a:r>
-              <a:rPr lang="ru-RU" sz="2800" b="1" dirty="0"/>
-              <a:t>Инструмент показывающий популярность поисковых запросов</a:t>
-            </a:r>
-          </a:p>
-        </p:txBody>
-      </p:sp>
-      <p:sp>
-        <p:nvSpPr>
-          <p:cNvPr id="8" name="Прямоугольник 7"/>
-          <p:cNvSpPr/>
-          <p:nvPr/>
-        </p:nvSpPr>
-        <p:spPr>
-          <a:xfrm>
-            <a:off x="3102680" y="5858108"/>
-            <a:ext cx="5698611" cy="523220"/>
-          </a:xfrm>
-          <a:prstGeom prst="rect">
-            <a:avLst/>
-          </a:prstGeom>
-        </p:spPr>
-        <p:txBody>
-          <a:bodyPr wrap="none">
-            <a:spAutoFit/>
-          </a:bodyPr>
-          <a:lstStyle/>
-          <a:p>
-            <a:r>
-              <a:rPr lang="ru-RU" sz="2800" b="1" dirty="0">
-                <a:hlinkClick r:id="rId3"/>
-              </a:rPr>
-              <a:t>https://www.google.com.ua/trends/</a:t>
-            </a:r>
-            <a:endParaRPr lang="ru-RU" sz="2800" b="1" dirty="0"/>
-          </a:p>
-        </p:txBody>
-      </p:sp>
     </p:spTree>
     <p:extLst>
       <p:ext uri="{BB962C8B-B14F-4D97-AF65-F5344CB8AC3E}">
-        <p14:creationId xmlns:p14="http://schemas.microsoft.com/office/powerpoint/2010/main" val="2892354783"/>
+        <p14:creationId xmlns:p14="http://schemas.microsoft.com/office/powerpoint/2010/main" val="3585602570"/>
       </p:ext>
     </p:extLst>
   </p:cSld>
@@ -12315,7 +10171,7 @@
 </p:sld>
 </file>
 
-<file path=ppt/slides/slide37.xml><?xml version="1.0" encoding="utf-8"?>
+<file path=ppt/slides/slide30.xml><?xml version="1.0" encoding="utf-8"?>
 <p:sld xmlns:a="http://schemas.openxmlformats.org/drawingml/2006/main" xmlns:r="http://schemas.openxmlformats.org/officeDocument/2006/relationships" xmlns:p="http://schemas.openxmlformats.org/presentationml/2006/main">
   <p:cSld>
     <p:spTree>
@@ -12334,6 +10190,295 @@
       </p:grpSpPr>
       <p:sp>
         <p:nvSpPr>
+          <p:cNvPr id="6" name="Номер слайда 36"/>
+          <p:cNvSpPr txBox="1">
+            <a:spLocks/>
+          </p:cNvSpPr>
+          <p:nvPr/>
+        </p:nvSpPr>
+        <p:spPr>
+          <a:xfrm>
+            <a:off x="11136560" y="6119718"/>
+            <a:ext cx="648072" cy="432048"/>
+          </a:xfrm>
+          <a:prstGeom prst="roundRect">
+            <a:avLst/>
+          </a:prstGeom>
+          <a:ln w="25400" cap="flat" cmpd="sng" algn="ctr">
+            <a:solidFill>
+              <a:schemeClr val="tx2">
+                <a:lumMod val="60000"/>
+                <a:lumOff val="40000"/>
+              </a:schemeClr>
+            </a:solidFill>
+            <a:prstDash val="solid"/>
+          </a:ln>
+        </p:spPr>
+        <p:style>
+          <a:lnRef idx="2">
+            <a:schemeClr val="accent1"/>
+          </a:lnRef>
+          <a:fillRef idx="1">
+            <a:schemeClr val="lt1"/>
+          </a:fillRef>
+          <a:effectRef idx="0">
+            <a:schemeClr val="accent1"/>
+          </a:effectRef>
+          <a:fontRef idx="minor">
+            <a:schemeClr val="dk1"/>
+          </a:fontRef>
+        </p:style>
+        <p:txBody>
+          <a:bodyPr vert="horz" lIns="91440" tIns="45720" rIns="91440" bIns="45720" rtlCol="0" anchor="ctr"/>
+          <a:lstStyle>
+            <a:defPPr>
+              <a:defRPr lang="uk-UA"/>
+            </a:defPPr>
+            <a:lvl1pPr marL="0" algn="l" defTabSz="914400" rtl="0" eaLnBrk="1" latinLnBrk="0" hangingPunct="1">
+              <a:defRPr sz="1800" kern="1200">
+                <a:solidFill>
+                  <a:schemeClr val="dk1"/>
+                </a:solidFill>
+                <a:latin typeface="+mn-lt"/>
+                <a:ea typeface="+mn-ea"/>
+                <a:cs typeface="+mn-cs"/>
+              </a:defRPr>
+            </a:lvl1pPr>
+            <a:lvl2pPr marL="457200" algn="l" defTabSz="914400" rtl="0" eaLnBrk="1" latinLnBrk="0" hangingPunct="1">
+              <a:defRPr sz="1800" kern="1200">
+                <a:solidFill>
+                  <a:schemeClr val="dk1"/>
+                </a:solidFill>
+                <a:latin typeface="+mn-lt"/>
+                <a:ea typeface="+mn-ea"/>
+                <a:cs typeface="+mn-cs"/>
+              </a:defRPr>
+            </a:lvl2pPr>
+            <a:lvl3pPr marL="914400" algn="l" defTabSz="914400" rtl="0" eaLnBrk="1" latinLnBrk="0" hangingPunct="1">
+              <a:defRPr sz="1800" kern="1200">
+                <a:solidFill>
+                  <a:schemeClr val="dk1"/>
+                </a:solidFill>
+                <a:latin typeface="+mn-lt"/>
+                <a:ea typeface="+mn-ea"/>
+                <a:cs typeface="+mn-cs"/>
+              </a:defRPr>
+            </a:lvl3pPr>
+            <a:lvl4pPr marL="1371600" algn="l" defTabSz="914400" rtl="0" eaLnBrk="1" latinLnBrk="0" hangingPunct="1">
+              <a:defRPr sz="1800" kern="1200">
+                <a:solidFill>
+                  <a:schemeClr val="dk1"/>
+                </a:solidFill>
+                <a:latin typeface="+mn-lt"/>
+                <a:ea typeface="+mn-ea"/>
+                <a:cs typeface="+mn-cs"/>
+              </a:defRPr>
+            </a:lvl4pPr>
+            <a:lvl5pPr marL="1828800" algn="l" defTabSz="914400" rtl="0" eaLnBrk="1" latinLnBrk="0" hangingPunct="1">
+              <a:defRPr sz="1800" kern="1200">
+                <a:solidFill>
+                  <a:schemeClr val="dk1"/>
+                </a:solidFill>
+                <a:latin typeface="+mn-lt"/>
+                <a:ea typeface="+mn-ea"/>
+                <a:cs typeface="+mn-cs"/>
+              </a:defRPr>
+            </a:lvl5pPr>
+            <a:lvl6pPr marL="2286000" algn="l" defTabSz="914400" rtl="0" eaLnBrk="1" latinLnBrk="0" hangingPunct="1">
+              <a:defRPr sz="1800" kern="1200">
+                <a:solidFill>
+                  <a:schemeClr val="dk1"/>
+                </a:solidFill>
+                <a:latin typeface="+mn-lt"/>
+                <a:ea typeface="+mn-ea"/>
+                <a:cs typeface="+mn-cs"/>
+              </a:defRPr>
+            </a:lvl6pPr>
+            <a:lvl7pPr marL="2743200" algn="l" defTabSz="914400" rtl="0" eaLnBrk="1" latinLnBrk="0" hangingPunct="1">
+              <a:defRPr sz="1800" kern="1200">
+                <a:solidFill>
+                  <a:schemeClr val="dk1"/>
+                </a:solidFill>
+                <a:latin typeface="+mn-lt"/>
+                <a:ea typeface="+mn-ea"/>
+                <a:cs typeface="+mn-cs"/>
+              </a:defRPr>
+            </a:lvl7pPr>
+            <a:lvl8pPr marL="3200400" algn="l" defTabSz="914400" rtl="0" eaLnBrk="1" latinLnBrk="0" hangingPunct="1">
+              <a:defRPr sz="1800" kern="1200">
+                <a:solidFill>
+                  <a:schemeClr val="dk1"/>
+                </a:solidFill>
+                <a:latin typeface="+mn-lt"/>
+                <a:ea typeface="+mn-ea"/>
+                <a:cs typeface="+mn-cs"/>
+              </a:defRPr>
+            </a:lvl8pPr>
+            <a:lvl9pPr marL="3657600" algn="l" defTabSz="914400" rtl="0" eaLnBrk="1" latinLnBrk="0" hangingPunct="1">
+              <a:defRPr sz="1800" kern="1200">
+                <a:solidFill>
+                  <a:schemeClr val="dk1"/>
+                </a:solidFill>
+                <a:latin typeface="+mn-lt"/>
+                <a:ea typeface="+mn-ea"/>
+                <a:cs typeface="+mn-cs"/>
+              </a:defRPr>
+            </a:lvl9pPr>
+          </a:lstStyle>
+          <a:p>
+            <a:pPr algn="ctr">
+              <a:defRPr/>
+            </a:pPr>
+            <a:fld id="{6389AA22-90B4-448C-8B6B-C699140D38B9}" type="slidenum">
+              <a:rPr lang="uk-UA" sz="2400" b="1">
+                <a:solidFill>
+                  <a:schemeClr val="bg1">
+                    <a:lumMod val="50000"/>
+                  </a:schemeClr>
+                </a:solidFill>
+              </a:rPr>
+              <a:pPr algn="ctr">
+                <a:defRPr/>
+              </a:pPr>
+              <a:t>30</a:t>
+            </a:fld>
+            <a:endParaRPr lang="uk-UA" sz="2400" b="1" dirty="0">
+              <a:solidFill>
+                <a:schemeClr val="bg1">
+                  <a:lumMod val="50000"/>
+                </a:schemeClr>
+              </a:solidFill>
+            </a:endParaRPr>
+          </a:p>
+        </p:txBody>
+      </p:sp>
+      <p:pic>
+        <p:nvPicPr>
+          <p:cNvPr id="2" name="Рисунок 1"/>
+          <p:cNvPicPr>
+            <a:picLocks noChangeAspect="1"/>
+          </p:cNvPicPr>
+          <p:nvPr/>
+        </p:nvPicPr>
+        <p:blipFill>
+          <a:blip r:embed="rId2"/>
+          <a:stretch>
+            <a:fillRect/>
+          </a:stretch>
+        </p:blipFill>
+        <p:spPr>
+          <a:xfrm>
+            <a:off x="3107668" y="1340769"/>
+            <a:ext cx="5688632" cy="4250411"/>
+          </a:xfrm>
+          <a:prstGeom prst="rect">
+            <a:avLst/>
+          </a:prstGeom>
+          <a:ln>
+            <a:noFill/>
+          </a:ln>
+          <a:effectLst>
+            <a:outerShdw blurRad="292100" dist="139700" dir="2700000" algn="tl" rotWithShape="0">
+              <a:srgbClr val="333333">
+                <a:alpha val="65000"/>
+              </a:srgbClr>
+            </a:outerShdw>
+          </a:effectLst>
+        </p:spPr>
+      </p:pic>
+      <p:sp>
+        <p:nvSpPr>
+          <p:cNvPr id="3" name="TextBox 2"/>
+          <p:cNvSpPr txBox="1"/>
+          <p:nvPr/>
+        </p:nvSpPr>
+        <p:spPr>
+          <a:xfrm>
+            <a:off x="2495600" y="314654"/>
+            <a:ext cx="6912768" cy="954107"/>
+          </a:xfrm>
+          <a:prstGeom prst="rect">
+            <a:avLst/>
+          </a:prstGeom>
+          <a:noFill/>
+        </p:spPr>
+        <p:txBody>
+          <a:bodyPr wrap="square" rtlCol="0">
+            <a:spAutoFit/>
+          </a:bodyPr>
+          <a:lstStyle/>
+          <a:p>
+            <a:pPr algn="ctr"/>
+            <a:r>
+              <a:rPr lang="ru-RU" sz="2800" b="1" dirty="0"/>
+              <a:t>Инструмент показывающий популярность поисковых запросов</a:t>
+            </a:r>
+          </a:p>
+        </p:txBody>
+      </p:sp>
+      <p:sp>
+        <p:nvSpPr>
+          <p:cNvPr id="8" name="Прямоугольник 7"/>
+          <p:cNvSpPr/>
+          <p:nvPr/>
+        </p:nvSpPr>
+        <p:spPr>
+          <a:xfrm>
+            <a:off x="3102680" y="5858108"/>
+            <a:ext cx="5698611" cy="523220"/>
+          </a:xfrm>
+          <a:prstGeom prst="rect">
+            <a:avLst/>
+          </a:prstGeom>
+        </p:spPr>
+        <p:txBody>
+          <a:bodyPr wrap="none">
+            <a:spAutoFit/>
+          </a:bodyPr>
+          <a:lstStyle/>
+          <a:p>
+            <a:r>
+              <a:rPr lang="ru-RU" sz="2800" b="1" dirty="0">
+                <a:hlinkClick r:id="rId3"/>
+              </a:rPr>
+              <a:t>https://www.google.com.ua/trends/</a:t>
+            </a:r>
+            <a:endParaRPr lang="ru-RU" sz="2800" b="1" dirty="0"/>
+          </a:p>
+        </p:txBody>
+      </p:sp>
+    </p:spTree>
+    <p:extLst>
+      <p:ext uri="{BB962C8B-B14F-4D97-AF65-F5344CB8AC3E}">
+        <p14:creationId xmlns:p14="http://schemas.microsoft.com/office/powerpoint/2010/main" val="2892354783"/>
+      </p:ext>
+    </p:extLst>
+  </p:cSld>
+  <p:clrMapOvr>
+    <a:masterClrMapping/>
+  </p:clrMapOvr>
+</p:sld>
+</file>
+
+<file path=ppt/slides/slide31.xml><?xml version="1.0" encoding="utf-8"?>
+<p:sld xmlns:a="http://schemas.openxmlformats.org/drawingml/2006/main" xmlns:r="http://schemas.openxmlformats.org/officeDocument/2006/relationships" xmlns:p="http://schemas.openxmlformats.org/presentationml/2006/main">
+  <p:cSld>
+    <p:spTree>
+      <p:nvGrpSpPr>
+        <p:cNvPr id="1" name=""/>
+        <p:cNvGrpSpPr/>
+        <p:nvPr/>
+      </p:nvGrpSpPr>
+      <p:grpSpPr>
+        <a:xfrm>
+          <a:off x="0" y="0"/>
+          <a:ext cx="0" cy="0"/>
+          <a:chOff x="0" y="0"/>
+          <a:chExt cx="0" cy="0"/>
+        </a:xfrm>
+      </p:grpSpPr>
+      <p:sp>
+        <p:nvSpPr>
           <p:cNvPr id="8" name="Прямоугольник 7"/>
           <p:cNvSpPr/>
           <p:nvPr/>
@@ -12428,7 +10573,7 @@
 </p:sld>
 </file>
 
-<file path=ppt/slides/slide38.xml><?xml version="1.0" encoding="utf-8"?>
+<file path=ppt/slides/slide32.xml><?xml version="1.0" encoding="utf-8"?>
 <p:sld xmlns:a="http://schemas.openxmlformats.org/drawingml/2006/main" xmlns:r="http://schemas.openxmlformats.org/officeDocument/2006/relationships" xmlns:p="http://schemas.openxmlformats.org/presentationml/2006/main">
   <p:cSld>
     <p:spTree>
@@ -12652,7 +10797,7 @@
               <a:pPr algn="ctr">
                 <a:defRPr/>
               </a:pPr>
-              <a:t>38</a:t>
+              <a:t>32</a:t>
             </a:fld>
             <a:endParaRPr lang="uk-UA" sz="2400" b="1" dirty="0">
               <a:solidFill>
